--- a/Prezentace/Maturita/2025/10 operátory.pptx
+++ b/Prezentace/Maturita/2025/10 operátory.pptx
@@ -203,7 +203,7 @@
           <a:p>
             <a:fld id="{0F4CBD7E-8EC4-40D0-831C-FC6BF586B823}" type="datetimeFigureOut">
               <a:rPr lang="cs-CZ" smtClean="0"/>
-              <a:t>27.01.2025</a:t>
+              <a:t>03.02.2025</a:t>
             </a:fld>
             <a:endParaRPr lang="cs-CZ"/>
           </a:p>
@@ -1276,7 +1276,7 @@
           <a:p>
             <a:fld id="{CCDA23A1-6BD0-48D8-A1FE-BC95074C88FA}" type="datetimeFigureOut">
               <a:rPr lang="cs-CZ" smtClean="0"/>
-              <a:t>27.01.2025</a:t>
+              <a:t>03.02.2025</a:t>
             </a:fld>
             <a:endParaRPr lang="cs-CZ"/>
           </a:p>
@@ -1527,7 +1527,7 @@
           <a:p>
             <a:fld id="{CCDA23A1-6BD0-48D8-A1FE-BC95074C88FA}" type="datetimeFigureOut">
               <a:rPr lang="cs-CZ" smtClean="0"/>
-              <a:t>27.01.2025</a:t>
+              <a:t>03.02.2025</a:t>
             </a:fld>
             <a:endParaRPr lang="cs-CZ"/>
           </a:p>
@@ -1841,7 +1841,7 @@
           <a:p>
             <a:fld id="{CCDA23A1-6BD0-48D8-A1FE-BC95074C88FA}" type="datetimeFigureOut">
               <a:rPr lang="cs-CZ" smtClean="0"/>
-              <a:t>27.01.2025</a:t>
+              <a:t>03.02.2025</a:t>
             </a:fld>
             <a:endParaRPr lang="cs-CZ"/>
           </a:p>
@@ -2182,7 +2182,7 @@
           <a:p>
             <a:fld id="{CCDA23A1-6BD0-48D8-A1FE-BC95074C88FA}" type="datetimeFigureOut">
               <a:rPr lang="cs-CZ" smtClean="0"/>
-              <a:t>27.01.2025</a:t>
+              <a:t>03.02.2025</a:t>
             </a:fld>
             <a:endParaRPr lang="cs-CZ"/>
           </a:p>
@@ -2496,7 +2496,7 @@
           <a:p>
             <a:fld id="{CCDA23A1-6BD0-48D8-A1FE-BC95074C88FA}" type="datetimeFigureOut">
               <a:rPr lang="cs-CZ" smtClean="0"/>
-              <a:t>27.01.2025</a:t>
+              <a:t>03.02.2025</a:t>
             </a:fld>
             <a:endParaRPr lang="cs-CZ"/>
           </a:p>
@@ -2889,7 +2889,7 @@
           <a:p>
             <a:fld id="{CCDA23A1-6BD0-48D8-A1FE-BC95074C88FA}" type="datetimeFigureOut">
               <a:rPr lang="cs-CZ" smtClean="0"/>
-              <a:t>27.01.2025</a:t>
+              <a:t>03.02.2025</a:t>
             </a:fld>
             <a:endParaRPr lang="cs-CZ"/>
           </a:p>
@@ -3059,7 +3059,7 @@
           <a:p>
             <a:fld id="{CCDA23A1-6BD0-48D8-A1FE-BC95074C88FA}" type="datetimeFigureOut">
               <a:rPr lang="cs-CZ" smtClean="0"/>
-              <a:t>27.01.2025</a:t>
+              <a:t>03.02.2025</a:t>
             </a:fld>
             <a:endParaRPr lang="cs-CZ"/>
           </a:p>
@@ -3239,7 +3239,7 @@
           <a:p>
             <a:fld id="{CCDA23A1-6BD0-48D8-A1FE-BC95074C88FA}" type="datetimeFigureOut">
               <a:rPr lang="cs-CZ" smtClean="0"/>
-              <a:t>27.01.2025</a:t>
+              <a:t>03.02.2025</a:t>
             </a:fld>
             <a:endParaRPr lang="cs-CZ"/>
           </a:p>
@@ -3415,7 +3415,7 @@
           <a:p>
             <a:fld id="{CCDA23A1-6BD0-48D8-A1FE-BC95074C88FA}" type="datetimeFigureOut">
               <a:rPr lang="cs-CZ" smtClean="0"/>
-              <a:t>27.01.2025</a:t>
+              <a:t>03.02.2025</a:t>
             </a:fld>
             <a:endParaRPr lang="cs-CZ"/>
           </a:p>
@@ -3662,7 +3662,7 @@
           <a:p>
             <a:fld id="{CCDA23A1-6BD0-48D8-A1FE-BC95074C88FA}" type="datetimeFigureOut">
               <a:rPr lang="cs-CZ" smtClean="0"/>
-              <a:t>27.01.2025</a:t>
+              <a:t>03.02.2025</a:t>
             </a:fld>
             <a:endParaRPr lang="cs-CZ"/>
           </a:p>
@@ -3894,7 +3894,7 @@
           <a:p>
             <a:fld id="{CCDA23A1-6BD0-48D8-A1FE-BC95074C88FA}" type="datetimeFigureOut">
               <a:rPr lang="cs-CZ" smtClean="0"/>
-              <a:t>27.01.2025</a:t>
+              <a:t>03.02.2025</a:t>
             </a:fld>
             <a:endParaRPr lang="cs-CZ"/>
           </a:p>
@@ -4268,7 +4268,7 @@
           <a:p>
             <a:fld id="{CCDA23A1-6BD0-48D8-A1FE-BC95074C88FA}" type="datetimeFigureOut">
               <a:rPr lang="cs-CZ" smtClean="0"/>
-              <a:t>27.01.2025</a:t>
+              <a:t>03.02.2025</a:t>
             </a:fld>
             <a:endParaRPr lang="cs-CZ"/>
           </a:p>
@@ -4391,7 +4391,7 @@
           <a:p>
             <a:fld id="{CCDA23A1-6BD0-48D8-A1FE-BC95074C88FA}" type="datetimeFigureOut">
               <a:rPr lang="cs-CZ" smtClean="0"/>
-              <a:t>27.01.2025</a:t>
+              <a:t>03.02.2025</a:t>
             </a:fld>
             <a:endParaRPr lang="cs-CZ"/>
           </a:p>
@@ -4486,7 +4486,7 @@
           <a:p>
             <a:fld id="{CCDA23A1-6BD0-48D8-A1FE-BC95074C88FA}" type="datetimeFigureOut">
               <a:rPr lang="cs-CZ" smtClean="0"/>
-              <a:t>27.01.2025</a:t>
+              <a:t>03.02.2025</a:t>
             </a:fld>
             <a:endParaRPr lang="cs-CZ"/>
           </a:p>
@@ -4741,7 +4741,7 @@
           <a:p>
             <a:fld id="{CCDA23A1-6BD0-48D8-A1FE-BC95074C88FA}" type="datetimeFigureOut">
               <a:rPr lang="cs-CZ" smtClean="0"/>
-              <a:t>27.01.2025</a:t>
+              <a:t>03.02.2025</a:t>
             </a:fld>
             <a:endParaRPr lang="cs-CZ"/>
           </a:p>
@@ -5004,7 +5004,7 @@
           <a:p>
             <a:fld id="{CCDA23A1-6BD0-48D8-A1FE-BC95074C88FA}" type="datetimeFigureOut">
               <a:rPr lang="cs-CZ" smtClean="0"/>
-              <a:t>27.01.2025</a:t>
+              <a:t>03.02.2025</a:t>
             </a:fld>
             <a:endParaRPr lang="cs-CZ"/>
           </a:p>
@@ -5747,7 +5747,7 @@
           <a:p>
             <a:fld id="{CCDA23A1-6BD0-48D8-A1FE-BC95074C88FA}" type="datetimeFigureOut">
               <a:rPr lang="cs-CZ" smtClean="0"/>
-              <a:t>27.01.2025</a:t>
+              <a:t>03.02.2025</a:t>
             </a:fld>
             <a:endParaRPr lang="cs-CZ"/>
           </a:p>
@@ -6417,8 +6417,11 @@
           <a:p>
             <a:r>
               <a:rPr lang="cs-CZ" sz="1600" dirty="0"/>
-              <a:t>Soubor</a:t>
-            </a:r>
+              <a:t>Výrazy a operátory</a:t>
+            </a:r>
+          </a:p>
+          <a:p>
+            <a:endParaRPr lang="cs-CZ" sz="1600" dirty="0"/>
           </a:p>
         </p:txBody>
       </p:sp>
@@ -7272,7 +7275,7 @@
           <p:cNvPr id="2" name="Nadpis 1">
             <a:extLst>
               <a:ext uri="{FF2B5EF4-FFF2-40B4-BE49-F238E27FC236}">
-                <a16:creationId xmlns:a16="http://schemas.microsoft.com/office/drawing/2014/main" id="{B255C2CE-9C31-172D-F845-9F79119A01AB}"/>
+                <a16:creationId xmlns:a16="http://schemas.microsoft.com/office/drawing/2014/main" id="{60C4029E-D4CC-E6C8-8C2E-C04461600F71}"/>
               </a:ext>
             </a:extLst>
           </p:cNvPr>
@@ -7290,7 +7293,7 @@
           <a:p>
             <a:r>
               <a:rPr lang="cs-CZ" dirty="0"/>
-              <a:t>Práce se souborem</a:t>
+              <a:t>Výraz</a:t>
             </a:r>
           </a:p>
         </p:txBody>
@@ -7300,7 +7303,7 @@
           <p:cNvPr id="3" name="Zástupný obsah 2">
             <a:extLst>
               <a:ext uri="{FF2B5EF4-FFF2-40B4-BE49-F238E27FC236}">
-                <a16:creationId xmlns:a16="http://schemas.microsoft.com/office/drawing/2014/main" id="{08D74CB0-3BC7-72E9-28C2-4CBC1D8B7949}"/>
+                <a16:creationId xmlns:a16="http://schemas.microsoft.com/office/drawing/2014/main" id="{60F89E2E-F4B5-92DF-9DD8-DCE19AB0AB2D}"/>
               </a:ext>
             </a:extLst>
           </p:cNvPr>
@@ -7313,54 +7316,113 @@
         </p:nvSpPr>
         <p:spPr/>
         <p:txBody>
-          <a:bodyPr/>
+          <a:bodyPr>
+            <a:normAutofit lnSpcReduction="10000"/>
+          </a:bodyPr>
           <a:lstStyle/>
           <a:p>
             <a:r>
               <a:rPr lang="cs-CZ" dirty="0"/>
-              <a:t>Knihovna System.IO</a:t>
+              <a:t>=  kombinace operandů a operátorů, která se vyhodnocuje na určitou hodnotu nebo výsledek</a:t>
             </a:r>
           </a:p>
           <a:p>
             <a:r>
               <a:rPr lang="cs-CZ" dirty="0"/>
-              <a:t>Pro práci se souborem využíváme STREAM (datový proud)</a:t>
-            </a:r>
-          </a:p>
-          <a:p>
-            <a:r>
-              <a:rPr lang="cs-CZ" dirty="0"/>
-              <a:t>Na základě typu souboru využíváme konkrétní třídu streamu</a:t>
-            </a:r>
-          </a:p>
-          <a:p>
-            <a:endParaRPr lang="cs-CZ" dirty="0"/>
-          </a:p>
-          <a:p>
-            <a:r>
-              <a:rPr lang="cs-CZ" dirty="0"/>
-              <a:t>Postup práce se souborem</a:t>
+              <a:t>Aritmetické</a:t>
             </a:r>
           </a:p>
           <a:p>
             <a:pPr lvl="1"/>
             <a:r>
-              <a:rPr lang="cs-CZ" dirty="0"/>
-              <a:t>Vytvoření streamu pro čtení nebo zápis</a:t>
+              <a:rPr lang="cs-CZ" b="0" i="0" dirty="0">
+                <a:solidFill>
+                  <a:srgbClr val="0D0D0D"/>
+                </a:solidFill>
+                <a:effectLst/>
+                <a:latin typeface="Söhne"/>
+              </a:rPr>
+              <a:t>Obsahují aritmetické operátory – sčítání, násobení, modulo, …</a:t>
+            </a:r>
+          </a:p>
+          <a:p>
+            <a:r>
+              <a:rPr lang="cs-CZ" dirty="0">
+                <a:solidFill>
+                  <a:srgbClr val="0D0D0D"/>
+                </a:solidFill>
+                <a:latin typeface="Söhne"/>
+              </a:rPr>
+              <a:t>Logické</a:t>
             </a:r>
           </a:p>
           <a:p>
             <a:pPr lvl="1"/>
             <a:r>
-              <a:rPr lang="cs-CZ" dirty="0"/>
-              <a:t>Práce se souborem</a:t>
+              <a:rPr lang="cs-CZ" dirty="0">
+                <a:solidFill>
+                  <a:srgbClr val="0D0D0D"/>
+                </a:solidFill>
+                <a:latin typeface="Söhne"/>
+              </a:rPr>
+              <a:t>Obsahují logické operátory – AND, OR, NEGACE</a:t>
+            </a:r>
+          </a:p>
+          <a:p>
+            <a:r>
+              <a:rPr lang="cs-CZ" dirty="0">
+                <a:solidFill>
+                  <a:srgbClr val="0D0D0D"/>
+                </a:solidFill>
+                <a:latin typeface="Söhne"/>
+              </a:rPr>
+              <a:t>Relační</a:t>
             </a:r>
           </a:p>
           <a:p>
             <a:pPr lvl="1"/>
             <a:r>
-              <a:rPr lang="cs-CZ" dirty="0"/>
-              <a:t>Uzavření streamu</a:t>
+              <a:rPr lang="cs-CZ" dirty="0">
+                <a:solidFill>
+                  <a:srgbClr val="0D0D0D"/>
+                </a:solidFill>
+                <a:latin typeface="Söhne"/>
+              </a:rPr>
+              <a:t>Obsahují relační operátory – porovnávání dvou a více hodnot</a:t>
+            </a:r>
+          </a:p>
+          <a:p>
+            <a:r>
+              <a:rPr lang="cs-CZ" dirty="0">
+                <a:solidFill>
+                  <a:srgbClr val="0D0D0D"/>
+                </a:solidFill>
+                <a:latin typeface="Söhne"/>
+              </a:rPr>
+              <a:t>Podmíněné</a:t>
+            </a:r>
+          </a:p>
+          <a:p>
+            <a:pPr lvl="1"/>
+            <a:r>
+              <a:rPr lang="cs-CZ" dirty="0">
+                <a:solidFill>
+                  <a:srgbClr val="0D0D0D"/>
+                </a:solidFill>
+                <a:latin typeface="Söhne"/>
+              </a:rPr>
+              <a:t>Výrazy používající ternární operátor</a:t>
+            </a:r>
+          </a:p>
+          <a:p>
+            <a:r>
+              <a:rPr lang="cs-CZ" dirty="0">
+                <a:solidFill>
+                  <a:srgbClr val="0D0D0D"/>
+                </a:solidFill>
+                <a:latin typeface="Söhne"/>
+              </a:rPr>
+              <a:t>Dále máme výrazy na bitové úrovni nebo přiřazovací</a:t>
             </a:r>
           </a:p>
         </p:txBody>
@@ -7368,7 +7430,7 @@
     </p:spTree>
     <p:extLst>
       <p:ext uri="{BB962C8B-B14F-4D97-AF65-F5344CB8AC3E}">
-        <p14:creationId xmlns:p14="http://schemas.microsoft.com/office/powerpoint/2010/main" val="2876871635"/>
+        <p14:creationId xmlns:p14="http://schemas.microsoft.com/office/powerpoint/2010/main" val="2035480865"/>
       </p:ext>
     </p:extLst>
   </p:cSld>
@@ -7400,7 +7462,7 @@
           <p:cNvPr id="2" name="Nadpis 1">
             <a:extLst>
               <a:ext uri="{FF2B5EF4-FFF2-40B4-BE49-F238E27FC236}">
-                <a16:creationId xmlns:a16="http://schemas.microsoft.com/office/drawing/2014/main" id="{7E49BBA8-E758-8C03-4310-54313723E5B1}"/>
+                <a16:creationId xmlns:a16="http://schemas.microsoft.com/office/drawing/2014/main" id="{88124CEF-4F38-42DF-BAE2-BF7B795B1320}"/>
               </a:ext>
             </a:extLst>
           </p:cNvPr>
@@ -7418,13 +7480,8 @@
           <a:p>
             <a:r>
               <a:rPr lang="cs-CZ" dirty="0"/>
-              <a:t>Třída </a:t>
-            </a:r>
-            <a:r>
-              <a:rPr lang="cs-CZ" dirty="0" err="1"/>
-              <a:t>File</a:t>
-            </a:r>
-            <a:endParaRPr lang="cs-CZ" dirty="0"/>
+              <a:t>Operátory</a:t>
+            </a:r>
           </a:p>
         </p:txBody>
       </p:sp>
@@ -7433,7 +7490,7 @@
           <p:cNvPr id="3" name="Zástupný obsah 2">
             <a:extLst>
               <a:ext uri="{FF2B5EF4-FFF2-40B4-BE49-F238E27FC236}">
-                <a16:creationId xmlns:a16="http://schemas.microsoft.com/office/drawing/2014/main" id="{3CCC5CFD-5D73-9280-AF48-3B5FCAACABB9}"/>
+                <a16:creationId xmlns:a16="http://schemas.microsoft.com/office/drawing/2014/main" id="{DE017E2D-B32A-B4DD-1EC4-641E8DD82162}"/>
               </a:ext>
             </a:extLst>
           </p:cNvPr>
@@ -7451,46 +7508,39 @@
           <a:p>
             <a:r>
               <a:rPr lang="cs-CZ" dirty="0"/>
-              <a:t>Statická třída pro práci se souborem</a:t>
+              <a:t>= symbol, který provádí určitou operaci mezi jedním nebo více operandy</a:t>
             </a:r>
           </a:p>
           <a:p>
             <a:r>
               <a:rPr lang="cs-CZ" dirty="0"/>
-              <a:t>Třída umožňuje čtená a zápis pro binární i textové soubory</a:t>
+              <a:t>Dělení operátorů:</a:t>
             </a:r>
           </a:p>
           <a:p>
             <a:r>
               <a:rPr lang="cs-CZ" dirty="0"/>
-              <a:t>Rovněž umožňuje soubor</a:t>
+              <a:t>Podle funkčního použití</a:t>
             </a:r>
           </a:p>
           <a:p>
             <a:pPr lvl="1"/>
             <a:r>
               <a:rPr lang="cs-CZ" dirty="0"/>
-              <a:t>Mazat</a:t>
+              <a:t>Aritmetické, logické, bitové, relační, přiřazovací, podmiňovací</a:t>
+            </a:r>
+          </a:p>
+          <a:p>
+            <a:r>
+              <a:rPr lang="cs-CZ" dirty="0"/>
+              <a:t>Podle počtu potřebných operandů</a:t>
             </a:r>
           </a:p>
           <a:p>
             <a:pPr lvl="1"/>
             <a:r>
               <a:rPr lang="cs-CZ" dirty="0"/>
-              <a:t>Kopírovat</a:t>
-            </a:r>
-          </a:p>
-          <a:p>
-            <a:pPr lvl="1"/>
-            <a:r>
-              <a:rPr lang="cs-CZ" dirty="0"/>
-              <a:t>Zjistit jeho existenci</a:t>
-            </a:r>
-          </a:p>
-          <a:p>
-            <a:r>
-              <a:rPr lang="cs-CZ" dirty="0"/>
-              <a:t>Pro práci s touto třídou není třeba vytvářet datový proud</a:t>
+              <a:t>Unární, Binární, Ternární</a:t>
             </a:r>
           </a:p>
         </p:txBody>
@@ -7498,7 +7548,7 @@
     </p:spTree>
     <p:extLst>
       <p:ext uri="{BB962C8B-B14F-4D97-AF65-F5344CB8AC3E}">
-        <p14:creationId xmlns:p14="http://schemas.microsoft.com/office/powerpoint/2010/main" val="3182703390"/>
+        <p14:creationId xmlns:p14="http://schemas.microsoft.com/office/powerpoint/2010/main" val="2224065716"/>
       </p:ext>
     </p:extLst>
   </p:cSld>
@@ -7511,6 +7561,14 @@
 <file path=ppt/slides/slide4.xml><?xml version="1.0" encoding="utf-8"?>
 <p:sld xmlns:a="http://schemas.openxmlformats.org/drawingml/2006/main" xmlns:r="http://schemas.openxmlformats.org/officeDocument/2006/relationships" xmlns:p="http://schemas.openxmlformats.org/presentationml/2006/main">
   <p:cSld>
+    <p:bg>
+      <p:bgPr>
+        <a:solidFill>
+          <a:schemeClr val="bg1"/>
+        </a:solidFill>
+        <a:effectLst/>
+      </p:bgPr>
+    </p:bg>
     <p:spTree>
       <p:nvGrpSpPr>
         <p:cNvPr id="1" name=""/>
@@ -7525,12 +7583,765 @@
           <a:chExt cx="0" cy="0"/>
         </a:xfrm>
       </p:grpSpPr>
+      <p:grpSp>
+        <p:nvGrpSpPr>
+          <p:cNvPr id="24" name="Group 23">
+            <a:extLst>
+              <a:ext uri="{FF2B5EF4-FFF2-40B4-BE49-F238E27FC236}">
+                <a16:creationId xmlns:a16="http://schemas.microsoft.com/office/drawing/2014/main" id="{0884F175-9D23-496E-80AC-F3D2FD541092}"/>
+              </a:ext>
+              <a:ext uri="{C183D7F6-B498-43B3-948B-1728B52AA6E4}">
+                <adec:decorative xmlns:adec="http://schemas.microsoft.com/office/drawing/2017/decorative" val="1"/>
+              </a:ext>
+            </a:extLst>
+          </p:cNvPr>
+          <p:cNvGrpSpPr>
+            <a:grpSpLocks noGrp="1" noUngrp="1" noRot="1" noChangeAspect="1" noMove="1" noResize="1"/>
+          </p:cNvGrpSpPr>
+          <p:nvPr>
+            <p:extLst>
+              <p:ext uri="{386F3935-93C4-4BCD-93E2-E3B085C9AB24}">
+                <p16:designElem xmlns:p16="http://schemas.microsoft.com/office/powerpoint/2015/main" val="1"/>
+              </p:ext>
+            </p:extLst>
+          </p:nvPr>
+        </p:nvGrpSpPr>
+        <p:grpSpPr>
+          <a:xfrm>
+            <a:off x="0" y="-8467"/>
+            <a:ext cx="12192000" cy="6866467"/>
+            <a:chOff x="0" y="-8467"/>
+            <a:chExt cx="12192000" cy="6866467"/>
+          </a:xfrm>
+        </p:grpSpPr>
+        <p:cxnSp>
+          <p:nvCxnSpPr>
+            <p:cNvPr id="35" name="Straight Connector 24">
+              <a:extLst>
+                <a:ext uri="{FF2B5EF4-FFF2-40B4-BE49-F238E27FC236}">
+                  <a16:creationId xmlns:a16="http://schemas.microsoft.com/office/drawing/2014/main" id="{22D4B7B8-5AFE-4B32-A805-72EC571E6F07}"/>
+                </a:ext>
+                <a:ext uri="{C183D7F6-B498-43B3-948B-1728B52AA6E4}">
+                  <adec:decorative xmlns:adec="http://schemas.microsoft.com/office/drawing/2017/decorative" val="1"/>
+                </a:ext>
+              </a:extLst>
+            </p:cNvPr>
+            <p:cNvCxnSpPr/>
+            <p:nvPr>
+              <p:extLst>
+                <p:ext uri="{386F3935-93C4-4BCD-93E2-E3B085C9AB24}">
+                  <p16:designElem xmlns:p16="http://schemas.microsoft.com/office/powerpoint/2015/main" val="1"/>
+                </p:ext>
+              </p:extLst>
+            </p:nvPr>
+          </p:nvCxnSpPr>
+          <p:spPr>
+            <a:xfrm>
+              <a:off x="9371012" y="0"/>
+              <a:ext cx="1219200" cy="6858000"/>
+            </a:xfrm>
+            <a:prstGeom prst="line">
+              <a:avLst/>
+            </a:prstGeom>
+            <a:ln w="9525">
+              <a:solidFill>
+                <a:schemeClr val="bg1">
+                  <a:lumMod val="75000"/>
+                </a:schemeClr>
+              </a:solidFill>
+            </a:ln>
+          </p:spPr>
+          <p:style>
+            <a:lnRef idx="2">
+              <a:schemeClr val="accent1"/>
+            </a:lnRef>
+            <a:fillRef idx="0">
+              <a:schemeClr val="accent1"/>
+            </a:fillRef>
+            <a:effectRef idx="1">
+              <a:schemeClr val="accent1"/>
+            </a:effectRef>
+            <a:fontRef idx="minor">
+              <a:schemeClr val="tx1"/>
+            </a:fontRef>
+          </p:style>
+        </p:cxnSp>
+        <p:cxnSp>
+          <p:nvCxnSpPr>
+            <p:cNvPr id="36" name="Straight Connector 25">
+              <a:extLst>
+                <a:ext uri="{FF2B5EF4-FFF2-40B4-BE49-F238E27FC236}">
+                  <a16:creationId xmlns:a16="http://schemas.microsoft.com/office/drawing/2014/main" id="{757D13B2-7A74-4788-8689-5EDB2DA868FF}"/>
+                </a:ext>
+                <a:ext uri="{C183D7F6-B498-43B3-948B-1728B52AA6E4}">
+                  <adec:decorative xmlns:adec="http://schemas.microsoft.com/office/drawing/2017/decorative" val="1"/>
+                </a:ext>
+              </a:extLst>
+            </p:cNvPr>
+            <p:cNvCxnSpPr/>
+            <p:nvPr>
+              <p:extLst>
+                <p:ext uri="{386F3935-93C4-4BCD-93E2-E3B085C9AB24}">
+                  <p16:designElem xmlns:p16="http://schemas.microsoft.com/office/powerpoint/2015/main" val="1"/>
+                </p:ext>
+              </p:extLst>
+            </p:nvPr>
+          </p:nvCxnSpPr>
+          <p:spPr>
+            <a:xfrm flipH="1">
+              <a:off x="7425267" y="3681413"/>
+              <a:ext cx="4763558" cy="3176587"/>
+            </a:xfrm>
+            <a:prstGeom prst="line">
+              <a:avLst/>
+            </a:prstGeom>
+            <a:ln w="9525">
+              <a:solidFill>
+                <a:schemeClr val="bg1">
+                  <a:lumMod val="85000"/>
+                </a:schemeClr>
+              </a:solidFill>
+            </a:ln>
+          </p:spPr>
+          <p:style>
+            <a:lnRef idx="2">
+              <a:schemeClr val="accent1"/>
+            </a:lnRef>
+            <a:fillRef idx="0">
+              <a:schemeClr val="accent1"/>
+            </a:fillRef>
+            <a:effectRef idx="1">
+              <a:schemeClr val="accent1"/>
+            </a:effectRef>
+            <a:fontRef idx="minor">
+              <a:schemeClr val="tx1"/>
+            </a:fontRef>
+          </p:style>
+        </p:cxnSp>
+        <p:sp>
+          <p:nvSpPr>
+            <p:cNvPr id="37" name="Rectangle 23">
+              <a:extLst>
+                <a:ext uri="{FF2B5EF4-FFF2-40B4-BE49-F238E27FC236}">
+                  <a16:creationId xmlns:a16="http://schemas.microsoft.com/office/drawing/2014/main" id="{66964837-B2CC-483D-BEDA-4BB1901BCC72}"/>
+                </a:ext>
+                <a:ext uri="{C183D7F6-B498-43B3-948B-1728B52AA6E4}">
+                  <adec:decorative xmlns:adec="http://schemas.microsoft.com/office/drawing/2017/decorative" val="1"/>
+                </a:ext>
+              </a:extLst>
+            </p:cNvPr>
+            <p:cNvSpPr/>
+            <p:nvPr>
+              <p:extLst>
+                <p:ext uri="{386F3935-93C4-4BCD-93E2-E3B085C9AB24}">
+                  <p16:designElem xmlns:p16="http://schemas.microsoft.com/office/powerpoint/2015/main" val="1"/>
+                </p:ext>
+              </p:extLst>
+            </p:nvPr>
+          </p:nvSpPr>
+          <p:spPr>
+            <a:xfrm>
+              <a:off x="9181476" y="-8467"/>
+              <a:ext cx="3007349" cy="6866467"/>
+            </a:xfrm>
+            <a:custGeom>
+              <a:avLst/>
+              <a:gdLst/>
+              <a:ahLst/>
+              <a:cxnLst/>
+              <a:rect l="l" t="t" r="r" b="b"/>
+              <a:pathLst>
+                <a:path w="3007349" h="6866467">
+                  <a:moveTo>
+                    <a:pt x="2045532" y="0"/>
+                  </a:moveTo>
+                  <a:lnTo>
+                    <a:pt x="3007349" y="0"/>
+                  </a:lnTo>
+                  <a:lnTo>
+                    <a:pt x="3007349" y="6866467"/>
+                  </a:lnTo>
+                  <a:lnTo>
+                    <a:pt x="0" y="6866467"/>
+                  </a:lnTo>
+                  <a:lnTo>
+                    <a:pt x="2045532" y="0"/>
+                  </a:lnTo>
+                  <a:close/>
+                </a:path>
+              </a:pathLst>
+            </a:custGeom>
+            <a:solidFill>
+              <a:schemeClr val="accent1">
+                <a:alpha val="30000"/>
+              </a:schemeClr>
+            </a:solidFill>
+            <a:ln>
+              <a:noFill/>
+            </a:ln>
+            <a:effectLst/>
+          </p:spPr>
+          <p:style>
+            <a:lnRef idx="1">
+              <a:schemeClr val="accent1"/>
+            </a:lnRef>
+            <a:fillRef idx="3">
+              <a:schemeClr val="accent1"/>
+            </a:fillRef>
+            <a:effectRef idx="2">
+              <a:schemeClr val="accent1"/>
+            </a:effectRef>
+            <a:fontRef idx="minor">
+              <a:schemeClr val="lt1"/>
+            </a:fontRef>
+          </p:style>
+          <p:txBody>
+            <a:bodyPr/>
+            <a:lstStyle/>
+            <a:p>
+              <a:endParaRPr lang="cs-CZ"/>
+            </a:p>
+          </p:txBody>
+        </p:sp>
+        <p:sp>
+          <p:nvSpPr>
+            <p:cNvPr id="38" name="Rectangle 25">
+              <a:extLst>
+                <a:ext uri="{FF2B5EF4-FFF2-40B4-BE49-F238E27FC236}">
+                  <a16:creationId xmlns:a16="http://schemas.microsoft.com/office/drawing/2014/main" id="{77D4E216-8B6C-4A3B-AF75-3016320F62A8}"/>
+                </a:ext>
+                <a:ext uri="{C183D7F6-B498-43B3-948B-1728B52AA6E4}">
+                  <adec:decorative xmlns:adec="http://schemas.microsoft.com/office/drawing/2017/decorative" val="1"/>
+                </a:ext>
+              </a:extLst>
+            </p:cNvPr>
+            <p:cNvSpPr/>
+            <p:nvPr>
+              <p:extLst>
+                <p:ext uri="{386F3935-93C4-4BCD-93E2-E3B085C9AB24}">
+                  <p16:designElem xmlns:p16="http://schemas.microsoft.com/office/powerpoint/2015/main" val="1"/>
+                </p:ext>
+              </p:extLst>
+            </p:nvPr>
+          </p:nvSpPr>
+          <p:spPr>
+            <a:xfrm>
+              <a:off x="9603442" y="-8467"/>
+              <a:ext cx="2588558" cy="6866467"/>
+            </a:xfrm>
+            <a:custGeom>
+              <a:avLst/>
+              <a:gdLst/>
+              <a:ahLst/>
+              <a:cxnLst/>
+              <a:rect l="l" t="t" r="r" b="b"/>
+              <a:pathLst>
+                <a:path w="2573311" h="6866467">
+                  <a:moveTo>
+                    <a:pt x="0" y="0"/>
+                  </a:moveTo>
+                  <a:lnTo>
+                    <a:pt x="2573311" y="0"/>
+                  </a:lnTo>
+                  <a:lnTo>
+                    <a:pt x="2573311" y="6866467"/>
+                  </a:lnTo>
+                  <a:lnTo>
+                    <a:pt x="1202336" y="6866467"/>
+                  </a:lnTo>
+                  <a:lnTo>
+                    <a:pt x="0" y="0"/>
+                  </a:lnTo>
+                  <a:close/>
+                </a:path>
+              </a:pathLst>
+            </a:custGeom>
+            <a:solidFill>
+              <a:schemeClr val="accent1">
+                <a:alpha val="20000"/>
+              </a:schemeClr>
+            </a:solidFill>
+            <a:ln>
+              <a:noFill/>
+            </a:ln>
+            <a:effectLst/>
+          </p:spPr>
+          <p:style>
+            <a:lnRef idx="1">
+              <a:schemeClr val="accent1"/>
+            </a:lnRef>
+            <a:fillRef idx="3">
+              <a:schemeClr val="accent1"/>
+            </a:fillRef>
+            <a:effectRef idx="2">
+              <a:schemeClr val="accent1"/>
+            </a:effectRef>
+            <a:fontRef idx="minor">
+              <a:schemeClr val="lt1"/>
+            </a:fontRef>
+          </p:style>
+          <p:txBody>
+            <a:bodyPr/>
+            <a:lstStyle/>
+            <a:p>
+              <a:endParaRPr lang="cs-CZ"/>
+            </a:p>
+          </p:txBody>
+        </p:sp>
+        <p:sp>
+          <p:nvSpPr>
+            <p:cNvPr id="39" name="Isosceles Triangle 28">
+              <a:extLst>
+                <a:ext uri="{FF2B5EF4-FFF2-40B4-BE49-F238E27FC236}">
+                  <a16:creationId xmlns:a16="http://schemas.microsoft.com/office/drawing/2014/main" id="{CDD4EA12-82D2-47D7-8742-8F4746AA6FA2}"/>
+                </a:ext>
+                <a:ext uri="{C183D7F6-B498-43B3-948B-1728B52AA6E4}">
+                  <adec:decorative xmlns:adec="http://schemas.microsoft.com/office/drawing/2017/decorative" val="1"/>
+                </a:ext>
+              </a:extLst>
+            </p:cNvPr>
+            <p:cNvSpPr/>
+            <p:nvPr>
+              <p:extLst>
+                <p:ext uri="{386F3935-93C4-4BCD-93E2-E3B085C9AB24}">
+                  <p16:designElem xmlns:p16="http://schemas.microsoft.com/office/powerpoint/2015/main" val="1"/>
+                </p:ext>
+              </p:extLst>
+            </p:nvPr>
+          </p:nvSpPr>
+          <p:spPr>
+            <a:xfrm>
+              <a:off x="8932333" y="3048000"/>
+              <a:ext cx="3259667" cy="3810000"/>
+            </a:xfrm>
+            <a:prstGeom prst="triangle">
+              <a:avLst>
+                <a:gd name="adj" fmla="val 100000"/>
+              </a:avLst>
+            </a:prstGeom>
+            <a:solidFill>
+              <a:schemeClr val="accent2">
+                <a:alpha val="72000"/>
+              </a:schemeClr>
+            </a:solidFill>
+            <a:ln>
+              <a:noFill/>
+            </a:ln>
+            <a:effectLst/>
+          </p:spPr>
+          <p:style>
+            <a:lnRef idx="1">
+              <a:schemeClr val="accent1"/>
+            </a:lnRef>
+            <a:fillRef idx="3">
+              <a:schemeClr val="accent1"/>
+            </a:fillRef>
+            <a:effectRef idx="2">
+              <a:schemeClr val="accent1"/>
+            </a:effectRef>
+            <a:fontRef idx="minor">
+              <a:schemeClr val="lt1"/>
+            </a:fontRef>
+          </p:style>
+          <p:txBody>
+            <a:bodyPr/>
+            <a:lstStyle/>
+            <a:p>
+              <a:endParaRPr lang="cs-CZ"/>
+            </a:p>
+          </p:txBody>
+        </p:sp>
+        <p:sp>
+          <p:nvSpPr>
+            <p:cNvPr id="40" name="Rectangle 27">
+              <a:extLst>
+                <a:ext uri="{FF2B5EF4-FFF2-40B4-BE49-F238E27FC236}">
+                  <a16:creationId xmlns:a16="http://schemas.microsoft.com/office/drawing/2014/main" id="{115B7F7E-4C23-429B-A947-A5B436DB2D3B}"/>
+                </a:ext>
+                <a:ext uri="{C183D7F6-B498-43B3-948B-1728B52AA6E4}">
+                  <adec:decorative xmlns:adec="http://schemas.microsoft.com/office/drawing/2017/decorative" val="1"/>
+                </a:ext>
+              </a:extLst>
+            </p:cNvPr>
+            <p:cNvSpPr/>
+            <p:nvPr>
+              <p:extLst>
+                <p:ext uri="{386F3935-93C4-4BCD-93E2-E3B085C9AB24}">
+                  <p16:designElem xmlns:p16="http://schemas.microsoft.com/office/powerpoint/2015/main" val="1"/>
+                </p:ext>
+              </p:extLst>
+            </p:nvPr>
+          </p:nvSpPr>
+          <p:spPr>
+            <a:xfrm>
+              <a:off x="9334500" y="-8467"/>
+              <a:ext cx="2854326" cy="6866467"/>
+            </a:xfrm>
+            <a:custGeom>
+              <a:avLst/>
+              <a:gdLst/>
+              <a:ahLst/>
+              <a:cxnLst/>
+              <a:rect l="l" t="t" r="r" b="b"/>
+              <a:pathLst>
+                <a:path w="2858013" h="6866467">
+                  <a:moveTo>
+                    <a:pt x="0" y="0"/>
+                  </a:moveTo>
+                  <a:lnTo>
+                    <a:pt x="2858013" y="0"/>
+                  </a:lnTo>
+                  <a:lnTo>
+                    <a:pt x="2858013" y="6866467"/>
+                  </a:lnTo>
+                  <a:lnTo>
+                    <a:pt x="2473942" y="6866467"/>
+                  </a:lnTo>
+                  <a:lnTo>
+                    <a:pt x="0" y="0"/>
+                  </a:lnTo>
+                  <a:close/>
+                </a:path>
+              </a:pathLst>
+            </a:custGeom>
+            <a:solidFill>
+              <a:schemeClr val="accent2">
+                <a:lumMod val="75000"/>
+                <a:alpha val="70000"/>
+              </a:schemeClr>
+            </a:solidFill>
+            <a:ln>
+              <a:noFill/>
+            </a:ln>
+            <a:effectLst/>
+          </p:spPr>
+          <p:style>
+            <a:lnRef idx="1">
+              <a:schemeClr val="accent1"/>
+            </a:lnRef>
+            <a:fillRef idx="3">
+              <a:schemeClr val="accent1"/>
+            </a:fillRef>
+            <a:effectRef idx="2">
+              <a:schemeClr val="accent1"/>
+            </a:effectRef>
+            <a:fontRef idx="minor">
+              <a:schemeClr val="lt1"/>
+            </a:fontRef>
+          </p:style>
+          <p:txBody>
+            <a:bodyPr/>
+            <a:lstStyle/>
+            <a:p>
+              <a:endParaRPr lang="cs-CZ"/>
+            </a:p>
+          </p:txBody>
+        </p:sp>
+        <p:sp>
+          <p:nvSpPr>
+            <p:cNvPr id="41" name="Rectangle 28">
+              <a:extLst>
+                <a:ext uri="{FF2B5EF4-FFF2-40B4-BE49-F238E27FC236}">
+                  <a16:creationId xmlns:a16="http://schemas.microsoft.com/office/drawing/2014/main" id="{A6B03A29-0A21-40D4-87E4-3C41D6F54C57}"/>
+                </a:ext>
+                <a:ext uri="{C183D7F6-B498-43B3-948B-1728B52AA6E4}">
+                  <adec:decorative xmlns:adec="http://schemas.microsoft.com/office/drawing/2017/decorative" val="1"/>
+                </a:ext>
+              </a:extLst>
+            </p:cNvPr>
+            <p:cNvSpPr/>
+            <p:nvPr>
+              <p:extLst>
+                <p:ext uri="{386F3935-93C4-4BCD-93E2-E3B085C9AB24}">
+                  <p16:designElem xmlns:p16="http://schemas.microsoft.com/office/powerpoint/2015/main" val="1"/>
+                </p:ext>
+              </p:extLst>
+            </p:nvPr>
+          </p:nvSpPr>
+          <p:spPr>
+            <a:xfrm>
+              <a:off x="10898730" y="-8467"/>
+              <a:ext cx="1290094" cy="6866467"/>
+            </a:xfrm>
+            <a:custGeom>
+              <a:avLst/>
+              <a:gdLst/>
+              <a:ahLst/>
+              <a:cxnLst/>
+              <a:rect l="l" t="t" r="r" b="b"/>
+              <a:pathLst>
+                <a:path w="1290094" h="6858000">
+                  <a:moveTo>
+                    <a:pt x="1019735" y="0"/>
+                  </a:moveTo>
+                  <a:lnTo>
+                    <a:pt x="1290094" y="0"/>
+                  </a:lnTo>
+                  <a:lnTo>
+                    <a:pt x="1290094" y="6858000"/>
+                  </a:lnTo>
+                  <a:lnTo>
+                    <a:pt x="0" y="6858000"/>
+                  </a:lnTo>
+                  <a:lnTo>
+                    <a:pt x="1019735" y="0"/>
+                  </a:lnTo>
+                  <a:close/>
+                </a:path>
+              </a:pathLst>
+            </a:custGeom>
+            <a:solidFill>
+              <a:schemeClr val="accent1">
+                <a:lumMod val="60000"/>
+                <a:lumOff val="40000"/>
+                <a:alpha val="70000"/>
+              </a:schemeClr>
+            </a:solidFill>
+            <a:ln>
+              <a:noFill/>
+            </a:ln>
+            <a:effectLst/>
+          </p:spPr>
+          <p:style>
+            <a:lnRef idx="1">
+              <a:schemeClr val="accent1"/>
+            </a:lnRef>
+            <a:fillRef idx="3">
+              <a:schemeClr val="accent1"/>
+            </a:fillRef>
+            <a:effectRef idx="2">
+              <a:schemeClr val="accent1"/>
+            </a:effectRef>
+            <a:fontRef idx="minor">
+              <a:schemeClr val="lt1"/>
+            </a:fontRef>
+          </p:style>
+          <p:txBody>
+            <a:bodyPr/>
+            <a:lstStyle/>
+            <a:p>
+              <a:endParaRPr lang="cs-CZ"/>
+            </a:p>
+          </p:txBody>
+        </p:sp>
+        <p:sp>
+          <p:nvSpPr>
+            <p:cNvPr id="42" name="Rectangle 29">
+              <a:extLst>
+                <a:ext uri="{FF2B5EF4-FFF2-40B4-BE49-F238E27FC236}">
+                  <a16:creationId xmlns:a16="http://schemas.microsoft.com/office/drawing/2014/main" id="{6C871F60-4E5A-449A-B6D8-1F58C12EE3C5}"/>
+                </a:ext>
+                <a:ext uri="{C183D7F6-B498-43B3-948B-1728B52AA6E4}">
+                  <adec:decorative xmlns:adec="http://schemas.microsoft.com/office/drawing/2017/decorative" val="1"/>
+                </a:ext>
+              </a:extLst>
+            </p:cNvPr>
+            <p:cNvSpPr/>
+            <p:nvPr>
+              <p:extLst>
+                <p:ext uri="{386F3935-93C4-4BCD-93E2-E3B085C9AB24}">
+                  <p16:designElem xmlns:p16="http://schemas.microsoft.com/office/powerpoint/2015/main" val="1"/>
+                </p:ext>
+              </p:extLst>
+            </p:nvPr>
+          </p:nvSpPr>
+          <p:spPr>
+            <a:xfrm>
+              <a:off x="10938999" y="-8467"/>
+              <a:ext cx="1249825" cy="6866467"/>
+            </a:xfrm>
+            <a:custGeom>
+              <a:avLst/>
+              <a:gdLst/>
+              <a:ahLst/>
+              <a:cxnLst/>
+              <a:rect l="l" t="t" r="r" b="b"/>
+              <a:pathLst>
+                <a:path w="1249825" h="6858000">
+                  <a:moveTo>
+                    <a:pt x="0" y="0"/>
+                  </a:moveTo>
+                  <a:lnTo>
+                    <a:pt x="1249825" y="0"/>
+                  </a:lnTo>
+                  <a:lnTo>
+                    <a:pt x="1249825" y="6858000"/>
+                  </a:lnTo>
+                  <a:lnTo>
+                    <a:pt x="1109382" y="6858000"/>
+                  </a:lnTo>
+                  <a:lnTo>
+                    <a:pt x="0" y="0"/>
+                  </a:lnTo>
+                  <a:close/>
+                </a:path>
+              </a:pathLst>
+            </a:custGeom>
+            <a:solidFill>
+              <a:schemeClr val="accent1">
+                <a:alpha val="65000"/>
+              </a:schemeClr>
+            </a:solidFill>
+            <a:ln>
+              <a:noFill/>
+            </a:ln>
+            <a:effectLst/>
+          </p:spPr>
+          <p:style>
+            <a:lnRef idx="1">
+              <a:schemeClr val="accent1"/>
+            </a:lnRef>
+            <a:fillRef idx="3">
+              <a:schemeClr val="accent1"/>
+            </a:fillRef>
+            <a:effectRef idx="2">
+              <a:schemeClr val="accent1"/>
+            </a:effectRef>
+            <a:fontRef idx="minor">
+              <a:schemeClr val="lt1"/>
+            </a:fontRef>
+          </p:style>
+          <p:txBody>
+            <a:bodyPr/>
+            <a:lstStyle/>
+            <a:p>
+              <a:endParaRPr lang="cs-CZ"/>
+            </a:p>
+          </p:txBody>
+        </p:sp>
+        <p:sp>
+          <p:nvSpPr>
+            <p:cNvPr id="33" name="Isosceles Triangle 32">
+              <a:extLst>
+                <a:ext uri="{FF2B5EF4-FFF2-40B4-BE49-F238E27FC236}">
+                  <a16:creationId xmlns:a16="http://schemas.microsoft.com/office/drawing/2014/main" id="{3182795B-2BFA-4D7B-BE85-701A73E25350}"/>
+                </a:ext>
+                <a:ext uri="{C183D7F6-B498-43B3-948B-1728B52AA6E4}">
+                  <adec:decorative xmlns:adec="http://schemas.microsoft.com/office/drawing/2017/decorative" val="1"/>
+                </a:ext>
+              </a:extLst>
+            </p:cNvPr>
+            <p:cNvSpPr/>
+            <p:nvPr>
+              <p:extLst>
+                <p:ext uri="{386F3935-93C4-4BCD-93E2-E3B085C9AB24}">
+                  <p16:designElem xmlns:p16="http://schemas.microsoft.com/office/powerpoint/2015/main" val="1"/>
+                </p:ext>
+              </p:extLst>
+            </p:nvPr>
+          </p:nvSpPr>
+          <p:spPr>
+            <a:xfrm>
+              <a:off x="10371666" y="3589867"/>
+              <a:ext cx="1817159" cy="3268133"/>
+            </a:xfrm>
+            <a:prstGeom prst="triangle">
+              <a:avLst>
+                <a:gd name="adj" fmla="val 100000"/>
+              </a:avLst>
+            </a:prstGeom>
+            <a:solidFill>
+              <a:schemeClr val="accent1">
+                <a:alpha val="80000"/>
+              </a:schemeClr>
+            </a:solidFill>
+            <a:ln>
+              <a:noFill/>
+            </a:ln>
+            <a:effectLst/>
+          </p:spPr>
+          <p:style>
+            <a:lnRef idx="1">
+              <a:schemeClr val="accent1"/>
+            </a:lnRef>
+            <a:fillRef idx="3">
+              <a:schemeClr val="accent1"/>
+            </a:fillRef>
+            <a:effectRef idx="2">
+              <a:schemeClr val="accent1"/>
+            </a:effectRef>
+            <a:fontRef idx="minor">
+              <a:schemeClr val="lt1"/>
+            </a:fontRef>
+          </p:style>
+          <p:txBody>
+            <a:bodyPr/>
+            <a:lstStyle/>
+            <a:p>
+              <a:endParaRPr lang="cs-CZ"/>
+            </a:p>
+          </p:txBody>
+        </p:sp>
+        <p:sp>
+          <p:nvSpPr>
+            <p:cNvPr id="34" name="Isosceles Triangle 33">
+              <a:extLst>
+                <a:ext uri="{FF2B5EF4-FFF2-40B4-BE49-F238E27FC236}">
+                  <a16:creationId xmlns:a16="http://schemas.microsoft.com/office/drawing/2014/main" id="{810B9E5C-2AE2-4B4E-916F-F954F2AA8A93}"/>
+                </a:ext>
+                <a:ext uri="{C183D7F6-B498-43B3-948B-1728B52AA6E4}">
+                  <adec:decorative xmlns:adec="http://schemas.microsoft.com/office/drawing/2017/decorative" val="1"/>
+                </a:ext>
+              </a:extLst>
+            </p:cNvPr>
+            <p:cNvSpPr/>
+            <p:nvPr>
+              <p:extLst>
+                <p:ext uri="{386F3935-93C4-4BCD-93E2-E3B085C9AB24}">
+                  <p16:designElem xmlns:p16="http://schemas.microsoft.com/office/powerpoint/2015/main" val="1"/>
+                </p:ext>
+              </p:extLst>
+            </p:nvPr>
+          </p:nvSpPr>
+          <p:spPr>
+            <a:xfrm>
+              <a:off x="0" y="4013200"/>
+              <a:ext cx="448733" cy="2844800"/>
+            </a:xfrm>
+            <a:prstGeom prst="triangle">
+              <a:avLst>
+                <a:gd name="adj" fmla="val 0"/>
+              </a:avLst>
+            </a:prstGeom>
+            <a:solidFill>
+              <a:schemeClr val="accent1">
+                <a:alpha val="85000"/>
+              </a:schemeClr>
+            </a:solidFill>
+            <a:ln>
+              <a:noFill/>
+            </a:ln>
+            <a:effectLst/>
+          </p:spPr>
+          <p:style>
+            <a:lnRef idx="1">
+              <a:schemeClr val="accent1"/>
+            </a:lnRef>
+            <a:fillRef idx="3">
+              <a:schemeClr val="accent1"/>
+            </a:fillRef>
+            <a:effectRef idx="2">
+              <a:schemeClr val="accent1"/>
+            </a:effectRef>
+            <a:fontRef idx="minor">
+              <a:schemeClr val="lt1"/>
+            </a:fontRef>
+          </p:style>
+          <p:txBody>
+            <a:bodyPr/>
+            <a:lstStyle/>
+            <a:p>
+              <a:endParaRPr lang="cs-CZ"/>
+            </a:p>
+          </p:txBody>
+        </p:sp>
+      </p:grpSp>
       <p:sp>
         <p:nvSpPr>
           <p:cNvPr id="2" name="Nadpis 1">
             <a:extLst>
               <a:ext uri="{FF2B5EF4-FFF2-40B4-BE49-F238E27FC236}">
-                <a16:creationId xmlns:a16="http://schemas.microsoft.com/office/drawing/2014/main" id="{4A0D1AD2-000C-E637-23EC-80C45E99B246}"/>
+                <a16:creationId xmlns:a16="http://schemas.microsoft.com/office/drawing/2014/main" id="{236DA3C5-25BF-5F71-131D-72BD451AF9D7}"/>
               </a:ext>
             </a:extLst>
           </p:cNvPr>
@@ -7541,24 +8352,40 @@
             <p:ph type="title"/>
           </p:nvPr>
         </p:nvSpPr>
-        <p:spPr/>
-        <p:txBody>
-          <a:bodyPr/>
+        <p:spPr>
+          <a:xfrm>
+            <a:off x="675065" y="609600"/>
+            <a:ext cx="2930518" cy="1320800"/>
+          </a:xfrm>
+        </p:spPr>
+        <p:txBody>
+          <a:bodyPr vert="horz" lIns="91440" tIns="45720" rIns="91440" bIns="45720" rtlCol="0" anchor="ctr">
+            <a:normAutofit/>
+          </a:bodyPr>
           <a:lstStyle/>
           <a:p>
             <a:r>
-              <a:rPr lang="cs-CZ" dirty="0"/>
-              <a:t>Typy souborů</a:t>
-            </a:r>
-          </a:p>
-        </p:txBody>
-      </p:sp>
-      <p:sp>
-        <p:nvSpPr>
-          <p:cNvPr id="3" name="Zástupný obsah 2">
+              <a:rPr lang="en-US" dirty="0" err="1"/>
+              <a:t>Výrazy</a:t>
+            </a:r>
+            <a:r>
+              <a:rPr lang="en-US" dirty="0"/>
+              <a:t> a </a:t>
+            </a:r>
+            <a:r>
+              <a:rPr lang="en-US" dirty="0" err="1"/>
+              <a:t>operátory</a:t>
+            </a:r>
+            <a:endParaRPr lang="en-US" dirty="0"/>
+          </a:p>
+        </p:txBody>
+      </p:sp>
+      <p:sp>
+        <p:nvSpPr>
+          <p:cNvPr id="21" name="Content Placeholder 20">
             <a:extLst>
               <a:ext uri="{FF2B5EF4-FFF2-40B4-BE49-F238E27FC236}">
-                <a16:creationId xmlns:a16="http://schemas.microsoft.com/office/drawing/2014/main" id="{D8C68E07-D51E-BDD0-4D1F-5BE1EDC11D5B}"/>
+                <a16:creationId xmlns:a16="http://schemas.microsoft.com/office/drawing/2014/main" id="{A95A6B91-8891-0C02-3AB3-0D9640327226}"/>
               </a:ext>
             </a:extLst>
           </p:cNvPr>
@@ -7566,256 +8393,35 @@
             <a:spLocks noGrp="1"/>
           </p:cNvSpPr>
           <p:nvPr>
-            <p:ph idx="1"/>
-          </p:nvPr>
-        </p:nvSpPr>
-        <p:spPr/>
-        <p:txBody>
-          <a:bodyPr/>
+            <p:ph sz="half" idx="2"/>
+          </p:nvPr>
+        </p:nvSpPr>
+        <p:spPr>
+          <a:xfrm>
+            <a:off x="671361" y="2160589"/>
+            <a:ext cx="2930517" cy="3880773"/>
+          </a:xfrm>
+        </p:spPr>
+        <p:txBody>
+          <a:bodyPr vert="horz" lIns="91440" tIns="45720" rIns="91440" bIns="45720" rtlCol="0">
+            <a:normAutofit/>
+          </a:bodyPr>
           <a:lstStyle/>
           <a:p>
             <a:r>
               <a:rPr lang="cs-CZ" dirty="0"/>
-              <a:t>Binární soubory</a:t>
-            </a:r>
-          </a:p>
-          <a:p>
-            <a:pPr lvl="1"/>
-            <a:r>
-              <a:rPr lang="cs-CZ" dirty="0"/>
-              <a:t>Veřejné (.</a:t>
-            </a:r>
-            <a:r>
-              <a:rPr lang="cs-CZ" dirty="0" err="1"/>
-              <a:t>png</a:t>
-            </a:r>
-            <a:r>
-              <a:rPr lang="cs-CZ" dirty="0"/>
-              <a:t>, .</a:t>
-            </a:r>
-            <a:r>
-              <a:rPr lang="cs-CZ" dirty="0" err="1"/>
-              <a:t>jpg</a:t>
-            </a:r>
-            <a:r>
-              <a:rPr lang="cs-CZ" dirty="0"/>
-              <a:t>, …)</a:t>
-            </a:r>
-          </a:p>
-          <a:p>
-            <a:pPr lvl="1"/>
-            <a:r>
-              <a:rPr lang="cs-CZ" dirty="0"/>
-              <a:t>Proprietární (.</a:t>
-            </a:r>
-            <a:r>
-              <a:rPr lang="cs-CZ" dirty="0" err="1"/>
-              <a:t>dockx</a:t>
-            </a:r>
-            <a:r>
-              <a:rPr lang="cs-CZ" dirty="0"/>
-              <a:t>, …)</a:t>
-            </a:r>
-          </a:p>
-          <a:p>
-            <a:r>
-              <a:rPr lang="cs-CZ" dirty="0"/>
-              <a:t>Textové soubory</a:t>
-            </a:r>
-          </a:p>
-          <a:p>
-            <a:pPr lvl="1"/>
-            <a:r>
-              <a:rPr lang="cs-CZ" dirty="0"/>
-              <a:t>Strukturované (.</a:t>
-            </a:r>
-            <a:r>
-              <a:rPr lang="cs-CZ" dirty="0" err="1"/>
-              <a:t>csv</a:t>
-            </a:r>
-            <a:r>
-              <a:rPr lang="cs-CZ" dirty="0"/>
-              <a:t>, .</a:t>
-            </a:r>
-            <a:r>
-              <a:rPr lang="cs-CZ" dirty="0" err="1"/>
-              <a:t>xml</a:t>
-            </a:r>
-            <a:r>
-              <a:rPr lang="cs-CZ" dirty="0"/>
-              <a:t>, …)</a:t>
-            </a:r>
-          </a:p>
-          <a:p>
-            <a:pPr lvl="1"/>
-            <a:r>
-              <a:rPr lang="cs-CZ" dirty="0"/>
-              <a:t>Nestrukturované (.</a:t>
-            </a:r>
-            <a:r>
-              <a:rPr lang="cs-CZ" dirty="0" err="1"/>
-              <a:t>txt</a:t>
-            </a:r>
-            <a:r>
-              <a:rPr lang="cs-CZ" dirty="0"/>
-              <a:t>)</a:t>
-            </a:r>
-          </a:p>
-          <a:p>
-            <a:endParaRPr lang="cs-CZ" dirty="0"/>
-          </a:p>
-          <a:p>
-            <a:r>
-              <a:rPr lang="cs-CZ" dirty="0"/>
-              <a:t>K souborům přistupujeme skrze cestu (</a:t>
-            </a:r>
-            <a:r>
-              <a:rPr lang="cs-CZ" dirty="0" err="1"/>
-              <a:t>path</a:t>
-            </a:r>
-            <a:r>
-              <a:rPr lang="cs-CZ" dirty="0"/>
-              <a:t>) v textové podobě</a:t>
-            </a:r>
-          </a:p>
-          <a:p>
-            <a:endParaRPr lang="cs-CZ" dirty="0"/>
-          </a:p>
-        </p:txBody>
-      </p:sp>
-    </p:spTree>
-    <p:extLst>
-      <p:ext uri="{BB962C8B-B14F-4D97-AF65-F5344CB8AC3E}">
-        <p14:creationId xmlns:p14="http://schemas.microsoft.com/office/powerpoint/2010/main" val="1496844050"/>
-      </p:ext>
-    </p:extLst>
-  </p:cSld>
-  <p:clrMapOvr>
-    <a:masterClrMapping/>
-  </p:clrMapOvr>
-</p:sld>
-</file>
-
-<file path=ppt/slides/slide5.xml><?xml version="1.0" encoding="utf-8"?>
-<p:sld xmlns:a="http://schemas.openxmlformats.org/drawingml/2006/main" xmlns:r="http://schemas.openxmlformats.org/officeDocument/2006/relationships" xmlns:p="http://schemas.openxmlformats.org/presentationml/2006/main">
-  <p:cSld>
-    <p:spTree>
-      <p:nvGrpSpPr>
-        <p:cNvPr id="1" name=""/>
-        <p:cNvGrpSpPr/>
-        <p:nvPr/>
-      </p:nvGrpSpPr>
-      <p:grpSpPr>
-        <a:xfrm>
-          <a:off x="0" y="0"/>
-          <a:ext cx="0" cy="0"/>
-          <a:chOff x="0" y="0"/>
-          <a:chExt cx="0" cy="0"/>
-        </a:xfrm>
-      </p:grpSpPr>
-      <p:sp>
-        <p:nvSpPr>
-          <p:cNvPr id="2" name="Nadpis 1">
+              <a:t>Ukázka použití</a:t>
+            </a:r>
+            <a:endParaRPr lang="en-US" dirty="0"/>
+          </a:p>
+        </p:txBody>
+      </p:sp>
+      <p:pic>
+        <p:nvPicPr>
+          <p:cNvPr id="11" name="Zástupný obsah 10">
             <a:extLst>
               <a:ext uri="{FF2B5EF4-FFF2-40B4-BE49-F238E27FC236}">
-                <a16:creationId xmlns:a16="http://schemas.microsoft.com/office/drawing/2014/main" id="{8F56E141-F637-375F-55DF-C44E029F90BA}"/>
-              </a:ext>
-            </a:extLst>
-          </p:cNvPr>
-          <p:cNvSpPr>
-            <a:spLocks noGrp="1"/>
-          </p:cNvSpPr>
-          <p:nvPr>
-            <p:ph type="title"/>
-          </p:nvPr>
-        </p:nvSpPr>
-        <p:spPr/>
-        <p:txBody>
-          <a:bodyPr/>
-          <a:lstStyle/>
-          <a:p>
-            <a:r>
-              <a:rPr lang="cs-CZ" dirty="0" err="1"/>
-              <a:t>FileStream</a:t>
-            </a:r>
-            <a:endParaRPr lang="cs-CZ" dirty="0"/>
-          </a:p>
-        </p:txBody>
-      </p:sp>
-      <p:sp>
-        <p:nvSpPr>
-          <p:cNvPr id="3" name="Zástupný obsah 2">
-            <a:extLst>
-              <a:ext uri="{FF2B5EF4-FFF2-40B4-BE49-F238E27FC236}">
-                <a16:creationId xmlns:a16="http://schemas.microsoft.com/office/drawing/2014/main" id="{088DEF64-1E1C-EA73-B66C-4D1009B09B57}"/>
-              </a:ext>
-            </a:extLst>
-          </p:cNvPr>
-          <p:cNvSpPr>
-            <a:spLocks noGrp="1"/>
-          </p:cNvSpPr>
-          <p:nvPr>
-            <p:ph idx="1"/>
-          </p:nvPr>
-        </p:nvSpPr>
-        <p:spPr/>
-        <p:txBody>
-          <a:bodyPr/>
-          <a:lstStyle/>
-          <a:p>
-            <a:r>
-              <a:rPr lang="cs-CZ" dirty="0"/>
-              <a:t>Třída pro práci s binárními soubory</a:t>
-            </a:r>
-          </a:p>
-          <a:p>
-            <a:r>
-              <a:rPr lang="cs-CZ" dirty="0"/>
-              <a:t>Při čtení i zápisu se data převádí na bloky bytů</a:t>
-            </a:r>
-          </a:p>
-          <a:p>
-            <a:r>
-              <a:rPr lang="cs-CZ" dirty="0"/>
-              <a:t>Pro zápis existuje pouze funkce </a:t>
-            </a:r>
-            <a:r>
-              <a:rPr lang="cs-CZ" dirty="0" err="1"/>
-              <a:t>Write</a:t>
-            </a:r>
-            <a:endParaRPr lang="cs-CZ" dirty="0"/>
-          </a:p>
-          <a:p>
-            <a:r>
-              <a:rPr lang="cs-CZ" dirty="0"/>
-              <a:t>Při zápisu i čtení je třeba myslet na použité kódování</a:t>
-            </a:r>
-          </a:p>
-          <a:p>
-            <a:r>
-              <a:rPr lang="cs-CZ" dirty="0"/>
-              <a:t>Pomocí funkce </a:t>
-            </a:r>
-            <a:r>
-              <a:rPr lang="cs-CZ" dirty="0" err="1"/>
-              <a:t>GetBytes</a:t>
-            </a:r>
-            <a:r>
-              <a:rPr lang="cs-CZ" dirty="0"/>
-              <a:t>() převedeme data do potřebné podoby</a:t>
-            </a:r>
-          </a:p>
-          <a:p>
-            <a:endParaRPr lang="cs-CZ" dirty="0"/>
-          </a:p>
-        </p:txBody>
-      </p:sp>
-      <p:pic>
-        <p:nvPicPr>
-          <p:cNvPr id="5" name="Obrázek 4">
-            <a:extLst>
-              <a:ext uri="{FF2B5EF4-FFF2-40B4-BE49-F238E27FC236}">
-                <a16:creationId xmlns:a16="http://schemas.microsoft.com/office/drawing/2014/main" id="{FC0C65E4-6530-BEAA-C454-8DD5B0210996}"/>
+                <a16:creationId xmlns:a16="http://schemas.microsoft.com/office/drawing/2014/main" id="{BA9F624B-E5A5-5B8D-961B-6DCF097D95D0}"/>
               </a:ext>
             </a:extLst>
           </p:cNvPr>
@@ -7832,8 +8438,40 @@
         </p:blipFill>
         <p:spPr>
           <a:xfrm>
-            <a:off x="1097280" y="4347046"/>
-            <a:ext cx="5683898" cy="1522048"/>
+            <a:off x="3882705" y="609600"/>
+            <a:ext cx="5364426" cy="2601747"/>
+          </a:xfrm>
+          <a:prstGeom prst="rect">
+            <a:avLst/>
+          </a:prstGeom>
+        </p:spPr>
+      </p:pic>
+      <p:pic>
+        <p:nvPicPr>
+          <p:cNvPr id="17" name="Zástupný obsah 4">
+            <a:extLst>
+              <a:ext uri="{FF2B5EF4-FFF2-40B4-BE49-F238E27FC236}">
+                <a16:creationId xmlns:a16="http://schemas.microsoft.com/office/drawing/2014/main" id="{A6A70400-A056-B307-3F07-95BACEFEC022}"/>
+              </a:ext>
+            </a:extLst>
+          </p:cNvPr>
+          <p:cNvPicPr>
+            <a:picLocks noGrp="1" noChangeAspect="1"/>
+          </p:cNvPicPr>
+          <p:nvPr>
+            <p:ph sz="half" idx="1"/>
+          </p:nvPr>
+        </p:nvPicPr>
+        <p:blipFill>
+          <a:blip r:embed="rId3"/>
+          <a:stretch>
+            <a:fillRect/>
+          </a:stretch>
+        </p:blipFill>
+        <p:spPr>
+          <a:xfrm>
+            <a:off x="4289279" y="3439020"/>
+            <a:ext cx="4551280" cy="2602341"/>
           </a:xfrm>
           <a:prstGeom prst="rect">
             <a:avLst/>
@@ -7843,7 +8481,7 @@
     </p:spTree>
     <p:extLst>
       <p:ext uri="{BB962C8B-B14F-4D97-AF65-F5344CB8AC3E}">
-        <p14:creationId xmlns:p14="http://schemas.microsoft.com/office/powerpoint/2010/main" val="2601043647"/>
+        <p14:creationId xmlns:p14="http://schemas.microsoft.com/office/powerpoint/2010/main" val="586961402"/>
       </p:ext>
     </p:extLst>
   </p:cSld>
@@ -7853,9 +8491,17 @@
 </p:sld>
 </file>
 
-<file path=ppt/slides/slide6.xml><?xml version="1.0" encoding="utf-8"?>
+<file path=ppt/slides/slide5.xml><?xml version="1.0" encoding="utf-8"?>
 <p:sld xmlns:a="http://schemas.openxmlformats.org/drawingml/2006/main" xmlns:r="http://schemas.openxmlformats.org/officeDocument/2006/relationships" xmlns:p="http://schemas.openxmlformats.org/presentationml/2006/main">
   <p:cSld>
+    <p:bg>
+      <p:bgPr>
+        <a:solidFill>
+          <a:schemeClr val="bg1"/>
+        </a:solidFill>
+        <a:effectLst/>
+      </p:bgPr>
+    </p:bg>
     <p:spTree>
       <p:nvGrpSpPr>
         <p:cNvPr id="1" name=""/>
@@ -7870,12 +8516,72 @@
           <a:chExt cx="0" cy="0"/>
         </a:xfrm>
       </p:grpSpPr>
+      <p:sp useBgFill="1">
+        <p:nvSpPr>
+          <p:cNvPr id="8" name="Rectangle 7">
+            <a:extLst>
+              <a:ext uri="{FF2B5EF4-FFF2-40B4-BE49-F238E27FC236}">
+                <a16:creationId xmlns:a16="http://schemas.microsoft.com/office/drawing/2014/main" id="{603AE127-802C-459A-A612-DB85B67F0DC0}"/>
+              </a:ext>
+              <a:ext uri="{C183D7F6-B498-43B3-948B-1728B52AA6E4}">
+                <adec:decorative xmlns:adec="http://schemas.microsoft.com/office/drawing/2017/decorative" val="1"/>
+              </a:ext>
+            </a:extLst>
+          </p:cNvPr>
+          <p:cNvSpPr>
+            <a:spLocks noGrp="1" noRot="1" noChangeAspect="1" noMove="1" noResize="1" noEditPoints="1" noAdjustHandles="1" noChangeArrowheads="1" noChangeShapeType="1" noTextEdit="1"/>
+          </p:cNvSpPr>
+          <p:nvPr>
+            <p:extLst>
+              <p:ext uri="{386F3935-93C4-4BCD-93E2-E3B085C9AB24}">
+                <p16:designElem xmlns:p16="http://schemas.microsoft.com/office/powerpoint/2015/main" val="1"/>
+              </p:ext>
+            </p:extLst>
+          </p:nvPr>
+        </p:nvSpPr>
+        <p:spPr>
+          <a:xfrm>
+            <a:off x="0" y="0"/>
+            <a:ext cx="12192000" cy="6858000"/>
+          </a:xfrm>
+          <a:prstGeom prst="rect">
+            <a:avLst/>
+          </a:prstGeom>
+          <a:ln>
+            <a:noFill/>
+          </a:ln>
+        </p:spPr>
+        <p:style>
+          <a:lnRef idx="2">
+            <a:schemeClr val="accent1">
+              <a:shade val="50000"/>
+            </a:schemeClr>
+          </a:lnRef>
+          <a:fillRef idx="1">
+            <a:schemeClr val="accent1"/>
+          </a:fillRef>
+          <a:effectRef idx="0">
+            <a:schemeClr val="accent1"/>
+          </a:effectRef>
+          <a:fontRef idx="minor">
+            <a:schemeClr val="lt1"/>
+          </a:fontRef>
+        </p:style>
+        <p:txBody>
+          <a:bodyPr rtlCol="0" anchor="ctr"/>
+          <a:lstStyle/>
+          <a:p>
+            <a:pPr algn="ctr"/>
+            <a:endParaRPr lang="en-US"/>
+          </a:p>
+        </p:txBody>
+      </p:sp>
       <p:sp>
         <p:nvSpPr>
           <p:cNvPr id="2" name="Nadpis 1">
             <a:extLst>
               <a:ext uri="{FF2B5EF4-FFF2-40B4-BE49-F238E27FC236}">
-                <a16:creationId xmlns:a16="http://schemas.microsoft.com/office/drawing/2014/main" id="{9F32960E-616D-E8FB-75FF-06FED58381CF}"/>
+                <a16:creationId xmlns:a16="http://schemas.microsoft.com/office/drawing/2014/main" id="{37A9E8BB-DF82-BE1B-36E9-6ECA62526B1F}"/>
               </a:ext>
             </a:extLst>
           </p:cNvPr>
@@ -7886,33 +8592,141 @@
             <p:ph type="title"/>
           </p:nvPr>
         </p:nvSpPr>
-        <p:spPr/>
+        <p:spPr>
+          <a:xfrm>
+            <a:off x="1043950" y="1179151"/>
+            <a:ext cx="3300646" cy="4463889"/>
+          </a:xfrm>
+        </p:spPr>
+        <p:txBody>
+          <a:bodyPr anchor="ctr">
+            <a:normAutofit/>
+          </a:bodyPr>
+          <a:lstStyle/>
+          <a:p>
+            <a:r>
+              <a:rPr lang="cs-CZ" dirty="0"/>
+              <a:t>Priorita operátorů</a:t>
+            </a:r>
+          </a:p>
+        </p:txBody>
+      </p:sp>
+      <p:sp>
+        <p:nvSpPr>
+          <p:cNvPr id="10" name="Isosceles Triangle 9">
+            <a:extLst>
+              <a:ext uri="{FF2B5EF4-FFF2-40B4-BE49-F238E27FC236}">
+                <a16:creationId xmlns:a16="http://schemas.microsoft.com/office/drawing/2014/main" id="{9323D83D-50D6-4040-A58B-FCEA340F886A}"/>
+              </a:ext>
+              <a:ext uri="{C183D7F6-B498-43B3-948B-1728B52AA6E4}">
+                <adec:decorative xmlns:adec="http://schemas.microsoft.com/office/drawing/2017/decorative" val="1"/>
+              </a:ext>
+            </a:extLst>
+          </p:cNvPr>
+          <p:cNvSpPr>
+            <a:spLocks noGrp="1" noRot="1" noChangeAspect="1" noMove="1" noResize="1" noEditPoints="1" noAdjustHandles="1" noChangeArrowheads="1" noChangeShapeType="1" noTextEdit="1"/>
+          </p:cNvSpPr>
+          <p:nvPr>
+            <p:extLst>
+              <p:ext uri="{386F3935-93C4-4BCD-93E2-E3B085C9AB24}">
+                <p16:designElem xmlns:p16="http://schemas.microsoft.com/office/powerpoint/2015/main" val="1"/>
+              </p:ext>
+            </p:extLst>
+          </p:nvPr>
+        </p:nvSpPr>
+        <p:spPr>
+          <a:xfrm>
+            <a:off x="0" y="4013200"/>
+            <a:ext cx="448733" cy="2844800"/>
+          </a:xfrm>
+          <a:prstGeom prst="triangle">
+            <a:avLst>
+              <a:gd name="adj" fmla="val 0"/>
+            </a:avLst>
+          </a:prstGeom>
+          <a:solidFill>
+            <a:schemeClr val="accent1"/>
+          </a:solidFill>
+          <a:ln>
+            <a:noFill/>
+          </a:ln>
+          <a:effectLst/>
+        </p:spPr>
+        <p:style>
+          <a:lnRef idx="1">
+            <a:schemeClr val="accent1"/>
+          </a:lnRef>
+          <a:fillRef idx="3">
+            <a:schemeClr val="accent1"/>
+          </a:fillRef>
+          <a:effectRef idx="2">
+            <a:schemeClr val="accent1"/>
+          </a:effectRef>
+          <a:fontRef idx="minor">
+            <a:schemeClr val="lt1"/>
+          </a:fontRef>
+        </p:style>
         <p:txBody>
           <a:bodyPr/>
           <a:lstStyle/>
           <a:p>
-            <a:r>
-              <a:rPr lang="cs-CZ" dirty="0" err="1"/>
-              <a:t>StreamReader</a:t>
-            </a:r>
-            <a:r>
-              <a:rPr lang="cs-CZ" dirty="0"/>
-              <a:t>, </a:t>
-            </a:r>
-            <a:r>
-              <a:rPr lang="cs-CZ" dirty="0" err="1"/>
-              <a:t>StreamWriter</a:t>
-            </a:r>
-            <a:endParaRPr lang="cs-CZ" dirty="0"/>
-          </a:p>
-        </p:txBody>
-      </p:sp>
+            <a:endParaRPr lang="cs-CZ"/>
+          </a:p>
+        </p:txBody>
+      </p:sp>
+      <p:cxnSp>
+        <p:nvCxnSpPr>
+          <p:cNvPr id="12" name="Straight Connector 11">
+            <a:extLst>
+              <a:ext uri="{FF2B5EF4-FFF2-40B4-BE49-F238E27FC236}">
+                <a16:creationId xmlns:a16="http://schemas.microsoft.com/office/drawing/2014/main" id="{1A1FE6BB-DFB2-4080-9B5E-076EF5DDE67B}"/>
+              </a:ext>
+              <a:ext uri="{C183D7F6-B498-43B3-948B-1728B52AA6E4}">
+                <adec:decorative xmlns:adec="http://schemas.microsoft.com/office/drawing/2017/decorative" val="1"/>
+              </a:ext>
+            </a:extLst>
+          </p:cNvPr>
+          <p:cNvCxnSpPr>
+            <a:cxnSpLocks noGrp="1" noRot="1" noChangeAspect="1" noMove="1" noResize="1" noEditPoints="1" noAdjustHandles="1" noChangeArrowheads="1" noChangeShapeType="1"/>
+          </p:cNvCxnSpPr>
+          <p:nvPr>
+            <p:extLst>
+              <p:ext uri="{386F3935-93C4-4BCD-93E2-E3B085C9AB24}">
+                <p16:designElem xmlns:p16="http://schemas.microsoft.com/office/powerpoint/2015/main" val="1"/>
+              </p:ext>
+            </p:extLst>
+          </p:nvPr>
+        </p:nvCxnSpPr>
+        <p:spPr>
+          <a:xfrm>
+            <a:off x="4656670" y="1442595"/>
+            <a:ext cx="0" cy="3937000"/>
+          </a:xfrm>
+          <a:prstGeom prst="line">
+            <a:avLst/>
+          </a:prstGeom>
+        </p:spPr>
+        <p:style>
+          <a:lnRef idx="1">
+            <a:schemeClr val="accent1"/>
+          </a:lnRef>
+          <a:fillRef idx="0">
+            <a:schemeClr val="accent1"/>
+          </a:fillRef>
+          <a:effectRef idx="0">
+            <a:schemeClr val="accent1"/>
+          </a:effectRef>
+          <a:fontRef idx="minor">
+            <a:schemeClr val="tx1"/>
+          </a:fontRef>
+        </p:style>
+      </p:cxnSp>
       <p:sp>
         <p:nvSpPr>
           <p:cNvPr id="3" name="Zástupný obsah 2">
             <a:extLst>
               <a:ext uri="{FF2B5EF4-FFF2-40B4-BE49-F238E27FC236}">
-                <a16:creationId xmlns:a16="http://schemas.microsoft.com/office/drawing/2014/main" id="{B6ADF270-F713-0030-25AD-F0FB8EB69E17}"/>
+                <a16:creationId xmlns:a16="http://schemas.microsoft.com/office/drawing/2014/main" id="{2E176BAD-F14D-3474-8735-E9EB80030B7E}"/>
               </a:ext>
             </a:extLst>
           </p:cNvPr>
@@ -7923,53 +8737,122 @@
             <p:ph idx="1"/>
           </p:nvPr>
         </p:nvSpPr>
-        <p:spPr/>
+        <p:spPr>
+          <a:xfrm>
+            <a:off x="4978918" y="1109145"/>
+            <a:ext cx="6341016" cy="4603900"/>
+          </a:xfrm>
+        </p:spPr>
+        <p:txBody>
+          <a:bodyPr anchor="ctr">
+            <a:normAutofit/>
+          </a:bodyPr>
+          <a:lstStyle/>
+          <a:p>
+            <a:r>
+              <a:rPr lang="cs-CZ" dirty="0"/>
+              <a:t>V C# mají operátory různou prioritou, což určuje pořadí, ve kterém jsou operace vyhodnocovány v rámci výrazu</a:t>
+            </a:r>
+          </a:p>
+          <a:p>
+            <a:r>
+              <a:rPr lang="cs-CZ" dirty="0"/>
+              <a:t>Standardní prioritní pravidla následují aritmetické zákony</a:t>
+            </a:r>
+          </a:p>
+          <a:p>
+            <a:pPr lvl="1"/>
+            <a:r>
+              <a:rPr lang="cs-CZ" dirty="0"/>
+              <a:t>Např.: násobení a dělení má vyšší prioritu než sčítání a odčítání.</a:t>
+            </a:r>
+          </a:p>
+          <a:p>
+            <a:r>
+              <a:rPr lang="cs-CZ" dirty="0"/>
+              <a:t>Pokud je potřeba změnit pořadí vyhodnocování, lze použít závorky pro explicitní určení pořadí operací</a:t>
+            </a:r>
+          </a:p>
+          <a:p>
+            <a:r>
+              <a:rPr lang="cs-CZ" dirty="0"/>
+              <a:t>Pokud mají operátory stejnou priority jsou vyhodnocovány běžným postupem zleva</a:t>
+            </a:r>
+          </a:p>
+          <a:p>
+            <a:endParaRPr lang="cs-CZ" dirty="0"/>
+          </a:p>
+        </p:txBody>
+      </p:sp>
+      <p:sp>
+        <p:nvSpPr>
+          <p:cNvPr id="14" name="Isosceles Triangle 13">
+            <a:extLst>
+              <a:ext uri="{FF2B5EF4-FFF2-40B4-BE49-F238E27FC236}">
+                <a16:creationId xmlns:a16="http://schemas.microsoft.com/office/drawing/2014/main" id="{F10FD715-4DCE-4779-B634-EC78315EA213}"/>
+              </a:ext>
+              <a:ext uri="{C183D7F6-B498-43B3-948B-1728B52AA6E4}">
+                <adec:decorative xmlns:adec="http://schemas.microsoft.com/office/drawing/2017/decorative" val="1"/>
+              </a:ext>
+            </a:extLst>
+          </p:cNvPr>
+          <p:cNvSpPr>
+            <a:spLocks noGrp="1" noRot="1" noChangeAspect="1" noMove="1" noResize="1" noEditPoints="1" noAdjustHandles="1" noChangeArrowheads="1" noChangeShapeType="1" noTextEdit="1"/>
+          </p:cNvSpPr>
+          <p:nvPr>
+            <p:extLst>
+              <p:ext uri="{386F3935-93C4-4BCD-93E2-E3B085C9AB24}">
+                <p16:designElem xmlns:p16="http://schemas.microsoft.com/office/powerpoint/2015/main" val="1"/>
+              </p:ext>
+            </p:extLst>
+          </p:nvPr>
+        </p:nvSpPr>
+        <p:spPr>
+          <a:xfrm rot="10800000" flipH="1">
+            <a:off x="11364139" y="0"/>
+            <a:ext cx="842596" cy="4616289"/>
+          </a:xfrm>
+          <a:prstGeom prst="triangle">
+            <a:avLst>
+              <a:gd name="adj" fmla="val 100000"/>
+            </a:avLst>
+          </a:prstGeom>
+          <a:solidFill>
+            <a:schemeClr val="accent2"/>
+          </a:solidFill>
+          <a:ln>
+            <a:noFill/>
+          </a:ln>
+          <a:effectLst/>
+        </p:spPr>
+        <p:style>
+          <a:lnRef idx="1">
+            <a:schemeClr val="accent1"/>
+          </a:lnRef>
+          <a:fillRef idx="3">
+            <a:schemeClr val="accent1"/>
+          </a:fillRef>
+          <a:effectRef idx="2">
+            <a:schemeClr val="accent1"/>
+          </a:effectRef>
+          <a:fontRef idx="minor">
+            <a:schemeClr val="lt1"/>
+          </a:fontRef>
+        </p:style>
         <p:txBody>
           <a:bodyPr/>
           <a:lstStyle/>
           <a:p>
-            <a:r>
-              <a:rPr lang="cs-CZ"/>
-              <a:t>Třídy umožňující přenos textových souborů</a:t>
-            </a:r>
-          </a:p>
-          <a:p>
-            <a:r>
-              <a:rPr lang="cs-CZ"/>
-              <a:t>Data zapisujeme a čteme v podobě řetězců</a:t>
-            </a:r>
-          </a:p>
-          <a:p>
-            <a:pPr lvl="1"/>
-            <a:r>
-              <a:rPr lang="cs-CZ"/>
-              <a:t>Data jsou z bloků bytů konvertovány na string</a:t>
-            </a:r>
-          </a:p>
-          <a:p>
-            <a:r>
-              <a:rPr lang="cs-CZ"/>
-              <a:t>Přístupem čtení a zápisu se přibližují práci s konzolí</a:t>
-            </a:r>
-          </a:p>
-          <a:p>
-            <a:pPr marL="0" indent="0">
-              <a:buNone/>
-            </a:pPr>
-            <a:r>
-              <a:rPr lang="cs-CZ"/>
-              <a:t> </a:t>
-            </a:r>
-            <a:endParaRPr lang="cs-CZ" dirty="0"/>
+            <a:endParaRPr lang="cs-CZ"/>
           </a:p>
         </p:txBody>
       </p:sp>
       <p:pic>
         <p:nvPicPr>
-          <p:cNvPr id="5" name="Obrázek 4">
+          <p:cNvPr id="4" name="Obrázek 3">
             <a:extLst>
               <a:ext uri="{FF2B5EF4-FFF2-40B4-BE49-F238E27FC236}">
-                <a16:creationId xmlns:a16="http://schemas.microsoft.com/office/drawing/2014/main" id="{248B2E10-1B76-E19D-B812-DD5C7E0A6E39}"/>
+                <a16:creationId xmlns:a16="http://schemas.microsoft.com/office/drawing/2014/main" id="{0541C67D-9B8D-FC76-3B4C-8D0C5CC9AC21}"/>
               </a:ext>
             </a:extLst>
           </p:cNvPr>
@@ -7986,38 +8869,8 @@
         </p:blipFill>
         <p:spPr>
           <a:xfrm>
-            <a:off x="1097280" y="3778519"/>
-            <a:ext cx="7080503" cy="1537400"/>
-          </a:xfrm>
-          <a:prstGeom prst="rect">
-            <a:avLst/>
-          </a:prstGeom>
-        </p:spPr>
-      </p:pic>
-      <p:pic>
-        <p:nvPicPr>
-          <p:cNvPr id="7" name="Obrázek 6">
-            <a:extLst>
-              <a:ext uri="{FF2B5EF4-FFF2-40B4-BE49-F238E27FC236}">
-                <a16:creationId xmlns:a16="http://schemas.microsoft.com/office/drawing/2014/main" id="{D34A8A46-4D66-B63B-D948-7AAE0E6D9D15}"/>
-              </a:ext>
-            </a:extLst>
-          </p:cNvPr>
-          <p:cNvPicPr>
-            <a:picLocks noChangeAspect="1"/>
-          </p:cNvPicPr>
-          <p:nvPr/>
-        </p:nvPicPr>
-        <p:blipFill>
-          <a:blip r:embed="rId3"/>
-          <a:stretch>
-            <a:fillRect/>
-          </a:stretch>
-        </p:blipFill>
-        <p:spPr>
-          <a:xfrm>
-            <a:off x="5888145" y="1845734"/>
-            <a:ext cx="6303855" cy="1139400"/>
+            <a:off x="5112685" y="5070827"/>
+            <a:ext cx="6073481" cy="1214695"/>
           </a:xfrm>
           <a:prstGeom prst="rect">
             <a:avLst/>
@@ -8027,7 +8880,7 @@
     </p:spTree>
     <p:extLst>
       <p:ext uri="{BB962C8B-B14F-4D97-AF65-F5344CB8AC3E}">
-        <p14:creationId xmlns:p14="http://schemas.microsoft.com/office/powerpoint/2010/main" val="886776033"/>
+        <p14:creationId xmlns:p14="http://schemas.microsoft.com/office/powerpoint/2010/main" val="2622928634"/>
       </p:ext>
     </p:extLst>
   </p:cSld>
@@ -8037,9 +8890,17 @@
 </p:sld>
 </file>
 
-<file path=ppt/slides/slide7.xml><?xml version="1.0" encoding="utf-8"?>
+<file path=ppt/slides/slide6.xml><?xml version="1.0" encoding="utf-8"?>
 <p:sld xmlns:a="http://schemas.openxmlformats.org/drawingml/2006/main" xmlns:r="http://schemas.openxmlformats.org/officeDocument/2006/relationships" xmlns:p="http://schemas.openxmlformats.org/presentationml/2006/main">
   <p:cSld>
+    <p:bg>
+      <p:bgPr>
+        <a:solidFill>
+          <a:schemeClr val="bg1"/>
+        </a:solidFill>
+        <a:effectLst/>
+      </p:bgPr>
+    </p:bg>
     <p:spTree>
       <p:nvGrpSpPr>
         <p:cNvPr id="1" name=""/>
@@ -8054,12 +8915,72 @@
           <a:chExt cx="0" cy="0"/>
         </a:xfrm>
       </p:grpSpPr>
+      <p:sp useBgFill="1">
+        <p:nvSpPr>
+          <p:cNvPr id="8" name="Rectangle 7">
+            <a:extLst>
+              <a:ext uri="{FF2B5EF4-FFF2-40B4-BE49-F238E27FC236}">
+                <a16:creationId xmlns:a16="http://schemas.microsoft.com/office/drawing/2014/main" id="{603AE127-802C-459A-A612-DB85B67F0DC0}"/>
+              </a:ext>
+              <a:ext uri="{C183D7F6-B498-43B3-948B-1728B52AA6E4}">
+                <adec:decorative xmlns:adec="http://schemas.microsoft.com/office/drawing/2017/decorative" val="1"/>
+              </a:ext>
+            </a:extLst>
+          </p:cNvPr>
+          <p:cNvSpPr>
+            <a:spLocks noGrp="1" noRot="1" noChangeAspect="1" noMove="1" noResize="1" noEditPoints="1" noAdjustHandles="1" noChangeArrowheads="1" noChangeShapeType="1" noTextEdit="1"/>
+          </p:cNvSpPr>
+          <p:nvPr>
+            <p:extLst>
+              <p:ext uri="{386F3935-93C4-4BCD-93E2-E3B085C9AB24}">
+                <p16:designElem xmlns:p16="http://schemas.microsoft.com/office/powerpoint/2015/main" val="1"/>
+              </p:ext>
+            </p:extLst>
+          </p:nvPr>
+        </p:nvSpPr>
+        <p:spPr>
+          <a:xfrm>
+            <a:off x="0" y="0"/>
+            <a:ext cx="12192000" cy="6858000"/>
+          </a:xfrm>
+          <a:prstGeom prst="rect">
+            <a:avLst/>
+          </a:prstGeom>
+          <a:ln>
+            <a:noFill/>
+          </a:ln>
+        </p:spPr>
+        <p:style>
+          <a:lnRef idx="2">
+            <a:schemeClr val="accent1">
+              <a:shade val="50000"/>
+            </a:schemeClr>
+          </a:lnRef>
+          <a:fillRef idx="1">
+            <a:schemeClr val="accent1"/>
+          </a:fillRef>
+          <a:effectRef idx="0">
+            <a:schemeClr val="accent1"/>
+          </a:effectRef>
+          <a:fontRef idx="minor">
+            <a:schemeClr val="lt1"/>
+          </a:fontRef>
+        </p:style>
+        <p:txBody>
+          <a:bodyPr rtlCol="0" anchor="ctr"/>
+          <a:lstStyle/>
+          <a:p>
+            <a:pPr algn="ctr"/>
+            <a:endParaRPr lang="en-US"/>
+          </a:p>
+        </p:txBody>
+      </p:sp>
       <p:sp>
         <p:nvSpPr>
           <p:cNvPr id="2" name="Nadpis 1">
             <a:extLst>
               <a:ext uri="{FF2B5EF4-FFF2-40B4-BE49-F238E27FC236}">
-                <a16:creationId xmlns:a16="http://schemas.microsoft.com/office/drawing/2014/main" id="{54F5CF49-8FDF-CC3D-13A9-1D8B9620A3F3}"/>
+                <a16:creationId xmlns:a16="http://schemas.microsoft.com/office/drawing/2014/main" id="{ECFE6E2E-C488-43F0-4342-B26730726638}"/>
               </a:ext>
             </a:extLst>
           </p:cNvPr>
@@ -8070,24 +8991,141 @@
             <p:ph type="title"/>
           </p:nvPr>
         </p:nvSpPr>
-        <p:spPr/>
+        <p:spPr>
+          <a:xfrm>
+            <a:off x="1043950" y="1179151"/>
+            <a:ext cx="3300646" cy="4463889"/>
+          </a:xfrm>
+        </p:spPr>
+        <p:txBody>
+          <a:bodyPr anchor="ctr">
+            <a:normAutofit/>
+          </a:bodyPr>
+          <a:lstStyle/>
+          <a:p>
+            <a:r>
+              <a:rPr lang="cs-CZ"/>
+              <a:t>Líné vyhodnocování výrazů</a:t>
+            </a:r>
+          </a:p>
+        </p:txBody>
+      </p:sp>
+      <p:sp>
+        <p:nvSpPr>
+          <p:cNvPr id="10" name="Isosceles Triangle 9">
+            <a:extLst>
+              <a:ext uri="{FF2B5EF4-FFF2-40B4-BE49-F238E27FC236}">
+                <a16:creationId xmlns:a16="http://schemas.microsoft.com/office/drawing/2014/main" id="{9323D83D-50D6-4040-A58B-FCEA340F886A}"/>
+              </a:ext>
+              <a:ext uri="{C183D7F6-B498-43B3-948B-1728B52AA6E4}">
+                <adec:decorative xmlns:adec="http://schemas.microsoft.com/office/drawing/2017/decorative" val="1"/>
+              </a:ext>
+            </a:extLst>
+          </p:cNvPr>
+          <p:cNvSpPr>
+            <a:spLocks noGrp="1" noRot="1" noChangeAspect="1" noMove="1" noResize="1" noEditPoints="1" noAdjustHandles="1" noChangeArrowheads="1" noChangeShapeType="1" noTextEdit="1"/>
+          </p:cNvSpPr>
+          <p:nvPr>
+            <p:extLst>
+              <p:ext uri="{386F3935-93C4-4BCD-93E2-E3B085C9AB24}">
+                <p16:designElem xmlns:p16="http://schemas.microsoft.com/office/powerpoint/2015/main" val="1"/>
+              </p:ext>
+            </p:extLst>
+          </p:nvPr>
+        </p:nvSpPr>
+        <p:spPr>
+          <a:xfrm>
+            <a:off x="0" y="4013200"/>
+            <a:ext cx="448733" cy="2844800"/>
+          </a:xfrm>
+          <a:prstGeom prst="triangle">
+            <a:avLst>
+              <a:gd name="adj" fmla="val 0"/>
+            </a:avLst>
+          </a:prstGeom>
+          <a:solidFill>
+            <a:schemeClr val="accent1"/>
+          </a:solidFill>
+          <a:ln>
+            <a:noFill/>
+          </a:ln>
+          <a:effectLst/>
+        </p:spPr>
+        <p:style>
+          <a:lnRef idx="1">
+            <a:schemeClr val="accent1"/>
+          </a:lnRef>
+          <a:fillRef idx="3">
+            <a:schemeClr val="accent1"/>
+          </a:fillRef>
+          <a:effectRef idx="2">
+            <a:schemeClr val="accent1"/>
+          </a:effectRef>
+          <a:fontRef idx="minor">
+            <a:schemeClr val="lt1"/>
+          </a:fontRef>
+        </p:style>
         <p:txBody>
           <a:bodyPr/>
           <a:lstStyle/>
           <a:p>
-            <a:r>
-              <a:rPr lang="cs-CZ" dirty="0"/>
-              <a:t>Dialogy pro ukládání a otevírání souboru</a:t>
-            </a:r>
-          </a:p>
-        </p:txBody>
-      </p:sp>
+            <a:endParaRPr lang="cs-CZ"/>
+          </a:p>
+        </p:txBody>
+      </p:sp>
+      <p:cxnSp>
+        <p:nvCxnSpPr>
+          <p:cNvPr id="12" name="Straight Connector 11">
+            <a:extLst>
+              <a:ext uri="{FF2B5EF4-FFF2-40B4-BE49-F238E27FC236}">
+                <a16:creationId xmlns:a16="http://schemas.microsoft.com/office/drawing/2014/main" id="{1A1FE6BB-DFB2-4080-9B5E-076EF5DDE67B}"/>
+              </a:ext>
+              <a:ext uri="{C183D7F6-B498-43B3-948B-1728B52AA6E4}">
+                <adec:decorative xmlns:adec="http://schemas.microsoft.com/office/drawing/2017/decorative" val="1"/>
+              </a:ext>
+            </a:extLst>
+          </p:cNvPr>
+          <p:cNvCxnSpPr>
+            <a:cxnSpLocks noGrp="1" noRot="1" noChangeAspect="1" noMove="1" noResize="1" noEditPoints="1" noAdjustHandles="1" noChangeArrowheads="1" noChangeShapeType="1"/>
+          </p:cNvCxnSpPr>
+          <p:nvPr>
+            <p:extLst>
+              <p:ext uri="{386F3935-93C4-4BCD-93E2-E3B085C9AB24}">
+                <p16:designElem xmlns:p16="http://schemas.microsoft.com/office/powerpoint/2015/main" val="1"/>
+              </p:ext>
+            </p:extLst>
+          </p:nvPr>
+        </p:nvCxnSpPr>
+        <p:spPr>
+          <a:xfrm>
+            <a:off x="4656670" y="1442595"/>
+            <a:ext cx="0" cy="3937000"/>
+          </a:xfrm>
+          <a:prstGeom prst="line">
+            <a:avLst/>
+          </a:prstGeom>
+        </p:spPr>
+        <p:style>
+          <a:lnRef idx="1">
+            <a:schemeClr val="accent1"/>
+          </a:lnRef>
+          <a:fillRef idx="0">
+            <a:schemeClr val="accent1"/>
+          </a:fillRef>
+          <a:effectRef idx="0">
+            <a:schemeClr val="accent1"/>
+          </a:effectRef>
+          <a:fontRef idx="minor">
+            <a:schemeClr val="tx1"/>
+          </a:fontRef>
+        </p:style>
+      </p:cxnSp>
       <p:sp>
         <p:nvSpPr>
           <p:cNvPr id="3" name="Zástupný obsah 2">
             <a:extLst>
               <a:ext uri="{FF2B5EF4-FFF2-40B4-BE49-F238E27FC236}">
-                <a16:creationId xmlns:a16="http://schemas.microsoft.com/office/drawing/2014/main" id="{90F79178-6E08-C1EC-22C6-FC3FA155C447}"/>
+                <a16:creationId xmlns:a16="http://schemas.microsoft.com/office/drawing/2014/main" id="{C9D71C27-A86B-2588-59F2-7156358438B1}"/>
               </a:ext>
             </a:extLst>
           </p:cNvPr>
@@ -8098,64 +9136,326 @@
             <p:ph idx="1"/>
           </p:nvPr>
         </p:nvSpPr>
-        <p:spPr/>
+        <p:spPr>
+          <a:xfrm>
+            <a:off x="4978918" y="1109145"/>
+            <a:ext cx="6341016" cy="4603900"/>
+          </a:xfrm>
+        </p:spPr>
+        <p:txBody>
+          <a:bodyPr anchor="ctr">
+            <a:normAutofit/>
+          </a:bodyPr>
+          <a:lstStyle/>
+          <a:p>
+            <a:r>
+              <a:rPr lang="cs-CZ" dirty="0">
+                <a:latin typeface="Söhne"/>
+              </a:rPr>
+              <a:t>M</a:t>
+            </a:r>
+            <a:r>
+              <a:rPr lang="cs-CZ" b="0" i="0" dirty="0">
+                <a:effectLst/>
+                <a:latin typeface="Söhne"/>
+              </a:rPr>
+              <a:t>echanismus, který určuje, že výraz je vyhodnocen až v případě potřeby</a:t>
+            </a:r>
+          </a:p>
+          <a:p>
+            <a:r>
+              <a:rPr lang="cs-CZ" b="0" i="0" dirty="0">
+                <a:effectLst/>
+                <a:latin typeface="Söhne"/>
+              </a:rPr>
+              <a:t>Pokud je výraz součástí logické podmínky a první část podmínky určuje výsledek, druhá část výrazu nebude vyhodnocena, protože by již neovlivnila výsledek podmínky</a:t>
+            </a:r>
+          </a:p>
+          <a:p>
+            <a:r>
+              <a:rPr lang="cs-CZ" dirty="0"/>
+              <a:t>Zdvojené logické operátory || a &amp;&amp;</a:t>
+            </a:r>
+          </a:p>
+          <a:p>
+            <a:r>
+              <a:rPr lang="cs-CZ" dirty="0"/>
+              <a:t>Při použití samostatného operátoru | nebo &amp; pracujeme na bitové úrovní a nejedná se pak o líné vyhodnocování</a:t>
+            </a:r>
+          </a:p>
+        </p:txBody>
+      </p:sp>
+      <p:sp>
+        <p:nvSpPr>
+          <p:cNvPr id="14" name="Isosceles Triangle 13">
+            <a:extLst>
+              <a:ext uri="{FF2B5EF4-FFF2-40B4-BE49-F238E27FC236}">
+                <a16:creationId xmlns:a16="http://schemas.microsoft.com/office/drawing/2014/main" id="{F10FD715-4DCE-4779-B634-EC78315EA213}"/>
+              </a:ext>
+              <a:ext uri="{C183D7F6-B498-43B3-948B-1728B52AA6E4}">
+                <adec:decorative xmlns:adec="http://schemas.microsoft.com/office/drawing/2017/decorative" val="1"/>
+              </a:ext>
+            </a:extLst>
+          </p:cNvPr>
+          <p:cNvSpPr>
+            <a:spLocks noGrp="1" noRot="1" noChangeAspect="1" noMove="1" noResize="1" noEditPoints="1" noAdjustHandles="1" noChangeArrowheads="1" noChangeShapeType="1" noTextEdit="1"/>
+          </p:cNvSpPr>
+          <p:nvPr>
+            <p:extLst>
+              <p:ext uri="{386F3935-93C4-4BCD-93E2-E3B085C9AB24}">
+                <p16:designElem xmlns:p16="http://schemas.microsoft.com/office/powerpoint/2015/main" val="1"/>
+              </p:ext>
+            </p:extLst>
+          </p:nvPr>
+        </p:nvSpPr>
+        <p:spPr>
+          <a:xfrm rot="10800000" flipH="1">
+            <a:off x="11364139" y="0"/>
+            <a:ext cx="842596" cy="4616289"/>
+          </a:xfrm>
+          <a:prstGeom prst="triangle">
+            <a:avLst>
+              <a:gd name="adj" fmla="val 100000"/>
+            </a:avLst>
+          </a:prstGeom>
+          <a:solidFill>
+            <a:schemeClr val="accent2"/>
+          </a:solidFill>
+          <a:ln>
+            <a:noFill/>
+          </a:ln>
+          <a:effectLst/>
+        </p:spPr>
+        <p:style>
+          <a:lnRef idx="1">
+            <a:schemeClr val="accent1"/>
+          </a:lnRef>
+          <a:fillRef idx="3">
+            <a:schemeClr val="accent1"/>
+          </a:fillRef>
+          <a:effectRef idx="2">
+            <a:schemeClr val="accent1"/>
+          </a:effectRef>
+          <a:fontRef idx="minor">
+            <a:schemeClr val="lt1"/>
+          </a:fontRef>
+        </p:style>
         <p:txBody>
           <a:bodyPr/>
           <a:lstStyle/>
           <a:p>
-            <a:r>
-              <a:rPr lang="cs-CZ" b="1" dirty="0" err="1"/>
-              <a:t>OpenFileDialog</a:t>
-            </a:r>
-            <a:r>
-              <a:rPr lang="cs-CZ" b="1" dirty="0"/>
-              <a:t> </a:t>
-            </a:r>
-          </a:p>
-          <a:p>
-            <a:pPr lvl="1"/>
-            <a:r>
-              <a:rPr lang="cs-CZ" dirty="0"/>
-              <a:t>Nativní okno pro výběr souboru, lze nastavit, které typy souboru se mají zobrazit</a:t>
-            </a:r>
-          </a:p>
-          <a:p>
-            <a:r>
-              <a:rPr lang="cs-CZ" b="1" dirty="0" err="1"/>
-              <a:t>SaveFileDialog</a:t>
-            </a:r>
-            <a:endParaRPr lang="cs-CZ" b="1" dirty="0"/>
-          </a:p>
-          <a:p>
-            <a:pPr lvl="1"/>
-            <a:r>
-              <a:rPr lang="cs-CZ" dirty="0"/>
-              <a:t>Nativní okno pro výběr adresáře, kde bude soubor uložen</a:t>
-            </a:r>
-          </a:p>
-          <a:p>
-            <a:r>
-              <a:rPr lang="cs-CZ" dirty="0"/>
-              <a:t>Při práci s modálními dialogovými okny nás zajímá výsledek po zavření</a:t>
-            </a:r>
-          </a:p>
-          <a:p>
-            <a:r>
-              <a:rPr lang="cs-CZ" dirty="0"/>
-              <a:t>Výčtový typ </a:t>
-            </a:r>
-            <a:r>
-              <a:rPr lang="cs-CZ" b="1" dirty="0" err="1"/>
-              <a:t>DialogResult</a:t>
-            </a:r>
-            <a:endParaRPr lang="cs-CZ" b="1" dirty="0"/>
-          </a:p>
-        </p:txBody>
-      </p:sp>
+            <a:endParaRPr lang="cs-CZ"/>
+          </a:p>
+        </p:txBody>
+      </p:sp>
+      <p:pic>
+        <p:nvPicPr>
+          <p:cNvPr id="4" name="Obrázek 3">
+            <a:extLst>
+              <a:ext uri="{FF2B5EF4-FFF2-40B4-BE49-F238E27FC236}">
+                <a16:creationId xmlns:a16="http://schemas.microsoft.com/office/drawing/2014/main" id="{9DC711B3-48A9-76E7-D056-CBE988D04141}"/>
+              </a:ext>
+            </a:extLst>
+          </p:cNvPr>
+          <p:cNvPicPr>
+            <a:picLocks noChangeAspect="1"/>
+          </p:cNvPicPr>
+          <p:nvPr/>
+        </p:nvPicPr>
+        <p:blipFill>
+          <a:blip r:embed="rId2"/>
+          <a:stretch>
+            <a:fillRect/>
+          </a:stretch>
+        </p:blipFill>
+        <p:spPr>
+          <a:xfrm>
+            <a:off x="5168045" y="4859037"/>
+            <a:ext cx="5962761" cy="1714294"/>
+          </a:xfrm>
+          <a:prstGeom prst="rect">
+            <a:avLst/>
+          </a:prstGeom>
+        </p:spPr>
+      </p:pic>
     </p:spTree>
     <p:extLst>
       <p:ext uri="{BB962C8B-B14F-4D97-AF65-F5344CB8AC3E}">
-        <p14:creationId xmlns:p14="http://schemas.microsoft.com/office/powerpoint/2010/main" val="2378399360"/>
+        <p14:creationId xmlns:p14="http://schemas.microsoft.com/office/powerpoint/2010/main" val="1720232777"/>
+      </p:ext>
+    </p:extLst>
+  </p:cSld>
+  <p:clrMapOvr>
+    <a:masterClrMapping/>
+  </p:clrMapOvr>
+</p:sld>
+</file>
+
+<file path=ppt/slides/slide7.xml><?xml version="1.0" encoding="utf-8"?>
+<p:sld xmlns:a="http://schemas.openxmlformats.org/drawingml/2006/main" xmlns:r="http://schemas.openxmlformats.org/officeDocument/2006/relationships" xmlns:p="http://schemas.openxmlformats.org/presentationml/2006/main">
+  <p:cSld>
+    <p:bg>
+      <p:bgPr>
+        <a:solidFill>
+          <a:schemeClr val="bg1"/>
+        </a:solidFill>
+        <a:effectLst/>
+      </p:bgPr>
+    </p:bg>
+    <p:spTree>
+      <p:nvGrpSpPr>
+        <p:cNvPr id="1" name=""/>
+        <p:cNvGrpSpPr/>
+        <p:nvPr/>
+      </p:nvGrpSpPr>
+      <p:grpSpPr>
+        <a:xfrm>
+          <a:off x="0" y="0"/>
+          <a:ext cx="0" cy="0"/>
+          <a:chOff x="0" y="0"/>
+          <a:chExt cx="0" cy="0"/>
+        </a:xfrm>
+      </p:grpSpPr>
+      <p:sp>
+        <p:nvSpPr>
+          <p:cNvPr id="2" name="Nadpis 1">
+            <a:extLst>
+              <a:ext uri="{FF2B5EF4-FFF2-40B4-BE49-F238E27FC236}">
+                <a16:creationId xmlns:a16="http://schemas.microsoft.com/office/drawing/2014/main" id="{D3088A37-BFA4-E533-D1BD-C30D4001B93A}"/>
+              </a:ext>
+            </a:extLst>
+          </p:cNvPr>
+          <p:cNvSpPr>
+            <a:spLocks noGrp="1"/>
+          </p:cNvSpPr>
+          <p:nvPr>
+            <p:ph type="title"/>
+          </p:nvPr>
+        </p:nvSpPr>
+        <p:spPr>
+          <a:xfrm>
+            <a:off x="677334" y="609600"/>
+            <a:ext cx="8596668" cy="1320800"/>
+          </a:xfrm>
+        </p:spPr>
+        <p:txBody>
+          <a:bodyPr anchor="t">
+            <a:normAutofit/>
+          </a:bodyPr>
+          <a:lstStyle/>
+          <a:p>
+            <a:r>
+              <a:rPr lang="cs-CZ" dirty="0"/>
+              <a:t>Speciální operátory</a:t>
+            </a:r>
+          </a:p>
+        </p:txBody>
+      </p:sp>
+      <p:sp>
+        <p:nvSpPr>
+          <p:cNvPr id="3" name="Zástupný obsah 2">
+            <a:extLst>
+              <a:ext uri="{FF2B5EF4-FFF2-40B4-BE49-F238E27FC236}">
+                <a16:creationId xmlns:a16="http://schemas.microsoft.com/office/drawing/2014/main" id="{632D4637-5175-F9E9-A682-1C2C3C4DF30F}"/>
+              </a:ext>
+            </a:extLst>
+          </p:cNvPr>
+          <p:cNvSpPr>
+            <a:spLocks noGrp="1"/>
+          </p:cNvSpPr>
+          <p:nvPr>
+            <p:ph idx="1"/>
+          </p:nvPr>
+        </p:nvSpPr>
+        <p:spPr>
+          <a:xfrm>
+            <a:off x="6336287" y="2160589"/>
+            <a:ext cx="2934714" cy="3880773"/>
+          </a:xfrm>
+        </p:spPr>
+        <p:txBody>
+          <a:bodyPr>
+            <a:normAutofit/>
+          </a:bodyPr>
+          <a:lstStyle/>
+          <a:p>
+            <a:pPr marL="0" indent="0">
+              <a:buNone/>
+            </a:pPr>
+            <a:r>
+              <a:rPr lang="cs-CZ" dirty="0"/>
+              <a:t>Lambda funkce =&gt;</a:t>
+            </a:r>
+          </a:p>
+          <a:p>
+            <a:pPr marL="0" indent="0">
+              <a:buNone/>
+            </a:pPr>
+            <a:r>
+              <a:rPr lang="cs-CZ" dirty="0"/>
+              <a:t>Přetypování ()</a:t>
+            </a:r>
+          </a:p>
+          <a:p>
+            <a:pPr marL="0" indent="0">
+              <a:buNone/>
+            </a:pPr>
+            <a:r>
+              <a:rPr lang="cs-CZ" dirty="0"/>
+              <a:t>Řetězení příkazů . </a:t>
+            </a:r>
+          </a:p>
+          <a:p>
+            <a:pPr marL="0" indent="0">
+              <a:buNone/>
+            </a:pPr>
+            <a:r>
+              <a:rPr lang="cs-CZ"/>
+              <a:t>Indexování []</a:t>
+            </a:r>
+            <a:endParaRPr lang="cs-CZ" dirty="0"/>
+          </a:p>
+          <a:p>
+            <a:pPr marL="0" indent="0">
+              <a:buNone/>
+            </a:pPr>
+            <a:endParaRPr lang="cs-CZ" dirty="0"/>
+          </a:p>
+        </p:txBody>
+      </p:sp>
+      <p:pic>
+        <p:nvPicPr>
+          <p:cNvPr id="5" name="Obrázek 4">
+            <a:extLst>
+              <a:ext uri="{FF2B5EF4-FFF2-40B4-BE49-F238E27FC236}">
+                <a16:creationId xmlns:a16="http://schemas.microsoft.com/office/drawing/2014/main" id="{FC8DA10A-DDC0-8490-DDFF-E8CC02AAE82A}"/>
+              </a:ext>
+            </a:extLst>
+          </p:cNvPr>
+          <p:cNvPicPr>
+            <a:picLocks noChangeAspect="1"/>
+          </p:cNvPicPr>
+          <p:nvPr/>
+        </p:nvPicPr>
+        <p:blipFill>
+          <a:blip r:embed="rId2"/>
+          <a:srcRect r="26659" b="-2"/>
+          <a:stretch/>
+        </p:blipFill>
+        <p:spPr>
+          <a:xfrm>
+            <a:off x="677334" y="2159331"/>
+            <a:ext cx="5423429" cy="3882362"/>
+          </a:xfrm>
+          <a:prstGeom prst="rect">
+            <a:avLst/>
+          </a:prstGeom>
+        </p:spPr>
+      </p:pic>
+    </p:spTree>
+    <p:extLst>
+      <p:ext uri="{BB962C8B-B14F-4D97-AF65-F5344CB8AC3E}">
+        <p14:creationId xmlns:p14="http://schemas.microsoft.com/office/powerpoint/2010/main" val="3919492832"/>
       </p:ext>
     </p:extLst>
   </p:cSld>
